--- a/Nashville Housing Presentation.pptx
+++ b/Nashville Housing Presentation.pptx
@@ -132,7 +132,7 @@
 <file path=ppt/revisionInfo.xml><?xml version="1.0" encoding="utf-8"?>
 <p1510:revInfo xmlns:a="http://schemas.openxmlformats.org/drawingml/2006/main" xmlns:r="http://schemas.openxmlformats.org/officeDocument/2006/relationships" xmlns:p1510="http://schemas.microsoft.com/office/powerpoint/2015/10/main">
   <p1510:revLst>
-    <p1510:client id="{4C0D10D6-1D88-4B0E-87C1-EF36A8B2A437}" v="211" dt="2025-12-23T21:19:30.448"/>
+    <p1510:client id="{4C0D10D6-1D88-4B0E-87C1-EF36A8B2A437}" v="240" dt="2026-01-05T17:31:51.231"/>
   </p1510:revLst>
 </p1510:revInfo>
 </file>
@@ -142,12 +142,12 @@
   <pc:docChgLst>
     <pc:chgData name="Luke Gaffney" userId="6fa697cc8cd57f76" providerId="LiveId" clId="{528BD4CA-A453-43AA-8F73-3E975C3B2CFE}"/>
     <pc:docChg chg="undo custSel addSld delSld modSld">
-      <pc:chgData name="Luke Gaffney" userId="6fa697cc8cd57f76" providerId="LiveId" clId="{528BD4CA-A453-43AA-8F73-3E975C3B2CFE}" dt="2025-12-23T21:21:07.073" v="3178" actId="20577"/>
+      <pc:chgData name="Luke Gaffney" userId="6fa697cc8cd57f76" providerId="LiveId" clId="{528BD4CA-A453-43AA-8F73-3E975C3B2CFE}" dt="2026-01-05T19:16:18.881" v="3857" actId="20577"/>
       <pc:docMkLst>
         <pc:docMk/>
       </pc:docMkLst>
       <pc:sldChg chg="modSp mod setBg modNotesTx">
-        <pc:chgData name="Luke Gaffney" userId="6fa697cc8cd57f76" providerId="LiveId" clId="{528BD4CA-A453-43AA-8F73-3E975C3B2CFE}" dt="2025-12-23T21:21:07.073" v="3178" actId="20577"/>
+        <pc:chgData name="Luke Gaffney" userId="6fa697cc8cd57f76" providerId="LiveId" clId="{528BD4CA-A453-43AA-8F73-3E975C3B2CFE}" dt="2026-01-05T17:21:24.212" v="3625" actId="255"/>
         <pc:sldMkLst>
           <pc:docMk/>
           <pc:sldMk cId="101415907" sldId="256"/>
@@ -162,7 +162,7 @@
         </pc:spChg>
       </pc:sldChg>
       <pc:sldChg chg="modSp add del mod modNotesTx">
-        <pc:chgData name="Luke Gaffney" userId="6fa697cc8cd57f76" providerId="LiveId" clId="{528BD4CA-A453-43AA-8F73-3E975C3B2CFE}" dt="2025-12-23T20:43:56.433" v="2843" actId="20577"/>
+        <pc:chgData name="Luke Gaffney" userId="6fa697cc8cd57f76" providerId="LiveId" clId="{528BD4CA-A453-43AA-8F73-3E975C3B2CFE}" dt="2026-01-05T17:21:29.098" v="3626" actId="113"/>
         <pc:sldMkLst>
           <pc:docMk/>
           <pc:sldMk cId="3484887589" sldId="257"/>
@@ -184,23 +184,8 @@
           </ac:spMkLst>
         </pc:spChg>
       </pc:sldChg>
-      <pc:sldChg chg="addSp delSp modSp del mod modNotesTx">
-        <pc:chgData name="Luke Gaffney" userId="6fa697cc8cd57f76" providerId="LiveId" clId="{528BD4CA-A453-43AA-8F73-3E975C3B2CFE}" dt="2025-12-23T16:25:20.548" v="2160" actId="2696"/>
-        <pc:sldMkLst>
-          <pc:docMk/>
-          <pc:sldMk cId="4045112871" sldId="275"/>
-        </pc:sldMkLst>
-        <pc:spChg chg="del mod">
-          <ac:chgData name="Luke Gaffney" userId="6fa697cc8cd57f76" providerId="LiveId" clId="{528BD4CA-A453-43AA-8F73-3E975C3B2CFE}" dt="2025-12-23T16:24:39.558" v="2155"/>
-          <ac:spMkLst>
-            <pc:docMk/>
-            <pc:sldMk cId="4045112871" sldId="275"/>
-            <ac:spMk id="4" creationId="{337C5CAA-78BD-6151-0CC5-8CA452F48391}"/>
-          </ac:spMkLst>
-        </pc:spChg>
-      </pc:sldChg>
       <pc:sldChg chg="addSp delSp modSp mod setBg modNotesTx">
-        <pc:chgData name="Luke Gaffney" userId="6fa697cc8cd57f76" providerId="LiveId" clId="{528BD4CA-A453-43AA-8F73-3E975C3B2CFE}" dt="2025-12-23T21:18:46.827" v="2848"/>
+        <pc:chgData name="Luke Gaffney" userId="6fa697cc8cd57f76" providerId="LiveId" clId="{528BD4CA-A453-43AA-8F73-3E975C3B2CFE}" dt="2026-01-05T17:16:19.145" v="3533" actId="20577"/>
         <pc:sldMkLst>
           <pc:docMk/>
           <pc:sldMk cId="542633763" sldId="277"/>
@@ -238,7 +223,7 @@
           </ac:spMkLst>
         </pc:spChg>
         <pc:spChg chg="add mod">
-          <ac:chgData name="Luke Gaffney" userId="6fa697cc8cd57f76" providerId="LiveId" clId="{528BD4CA-A453-43AA-8F73-3E975C3B2CFE}" dt="2025-12-19T16:11:54.100" v="1509" actId="554"/>
+          <ac:chgData name="Luke Gaffney" userId="6fa697cc8cd57f76" providerId="LiveId" clId="{528BD4CA-A453-43AA-8F73-3E975C3B2CFE}" dt="2026-01-05T15:08:10.594" v="3187" actId="207"/>
           <ac:spMkLst>
             <pc:docMk/>
             <pc:sldMk cId="542633763" sldId="277"/>
@@ -270,7 +255,7 @@
           </ac:spMkLst>
         </pc:spChg>
         <pc:spChg chg="mod">
-          <ac:chgData name="Luke Gaffney" userId="6fa697cc8cd57f76" providerId="LiveId" clId="{528BD4CA-A453-43AA-8F73-3E975C3B2CFE}" dt="2025-12-19T16:38:08.701" v="1612" actId="208"/>
+          <ac:chgData name="Luke Gaffney" userId="6fa697cc8cd57f76" providerId="LiveId" clId="{528BD4CA-A453-43AA-8F73-3E975C3B2CFE}" dt="2026-01-05T15:38:02.084" v="3262" actId="1582"/>
           <ac:spMkLst>
             <pc:docMk/>
             <pc:sldMk cId="542633763" sldId="277"/>
@@ -278,7 +263,7 @@
           </ac:spMkLst>
         </pc:spChg>
         <pc:spChg chg="mod">
-          <ac:chgData name="Luke Gaffney" userId="6fa697cc8cd57f76" providerId="LiveId" clId="{528BD4CA-A453-43AA-8F73-3E975C3B2CFE}" dt="2025-12-19T16:38:33.175" v="1617" actId="208"/>
+          <ac:chgData name="Luke Gaffney" userId="6fa697cc8cd57f76" providerId="LiveId" clId="{528BD4CA-A453-43AA-8F73-3E975C3B2CFE}" dt="2026-01-05T15:38:27.580" v="3267" actId="1582"/>
           <ac:spMkLst>
             <pc:docMk/>
             <pc:sldMk cId="542633763" sldId="277"/>
@@ -286,7 +271,7 @@
           </ac:spMkLst>
         </pc:spChg>
         <pc:spChg chg="mod">
-          <ac:chgData name="Luke Gaffney" userId="6fa697cc8cd57f76" providerId="LiveId" clId="{528BD4CA-A453-43AA-8F73-3E975C3B2CFE}" dt="2025-12-19T16:38:14.740" v="1613" actId="208"/>
+          <ac:chgData name="Luke Gaffney" userId="6fa697cc8cd57f76" providerId="LiveId" clId="{528BD4CA-A453-43AA-8F73-3E975C3B2CFE}" dt="2026-01-05T15:38:07.324" v="3263" actId="1582"/>
           <ac:spMkLst>
             <pc:docMk/>
             <pc:sldMk cId="542633763" sldId="277"/>
@@ -294,7 +279,7 @@
           </ac:spMkLst>
         </pc:spChg>
         <pc:spChg chg="mod">
-          <ac:chgData name="Luke Gaffney" userId="6fa697cc8cd57f76" providerId="LiveId" clId="{528BD4CA-A453-43AA-8F73-3E975C3B2CFE}" dt="2025-12-19T16:38:41.250" v="1619" actId="208"/>
+          <ac:chgData name="Luke Gaffney" userId="6fa697cc8cd57f76" providerId="LiveId" clId="{528BD4CA-A453-43AA-8F73-3E975C3B2CFE}" dt="2026-01-05T15:38:38.742" v="3269" actId="1582"/>
           <ac:spMkLst>
             <pc:docMk/>
             <pc:sldMk cId="542633763" sldId="277"/>
@@ -302,7 +287,7 @@
           </ac:spMkLst>
         </pc:spChg>
         <pc:spChg chg="mod">
-          <ac:chgData name="Luke Gaffney" userId="6fa697cc8cd57f76" providerId="LiveId" clId="{528BD4CA-A453-43AA-8F73-3E975C3B2CFE}" dt="2025-12-19T16:38:24.953" v="1615" actId="208"/>
+          <ac:chgData name="Luke Gaffney" userId="6fa697cc8cd57f76" providerId="LiveId" clId="{528BD4CA-A453-43AA-8F73-3E975C3B2CFE}" dt="2026-01-05T15:38:17.174" v="3265" actId="1582"/>
           <ac:spMkLst>
             <pc:docMk/>
             <pc:sldMk cId="542633763" sldId="277"/>
@@ -310,7 +295,7 @@
           </ac:spMkLst>
         </pc:spChg>
         <pc:spChg chg="mod">
-          <ac:chgData name="Luke Gaffney" userId="6fa697cc8cd57f76" providerId="LiveId" clId="{528BD4CA-A453-43AA-8F73-3E975C3B2CFE}" dt="2025-12-19T16:38:29.285" v="1616" actId="208"/>
+          <ac:chgData name="Luke Gaffney" userId="6fa697cc8cd57f76" providerId="LiveId" clId="{528BD4CA-A453-43AA-8F73-3E975C3B2CFE}" dt="2026-01-05T15:38:21.822" v="3266" actId="1582"/>
           <ac:spMkLst>
             <pc:docMk/>
             <pc:sldMk cId="542633763" sldId="277"/>
@@ -318,7 +303,7 @@
           </ac:spMkLst>
         </pc:spChg>
         <pc:spChg chg="mod">
-          <ac:chgData name="Luke Gaffney" userId="6fa697cc8cd57f76" providerId="LiveId" clId="{528BD4CA-A453-43AA-8F73-3E975C3B2CFE}" dt="2025-12-19T16:38:37.291" v="1618" actId="208"/>
+          <ac:chgData name="Luke Gaffney" userId="6fa697cc8cd57f76" providerId="LiveId" clId="{528BD4CA-A453-43AA-8F73-3E975C3B2CFE}" dt="2026-01-05T15:38:32.873" v="3268" actId="1582"/>
           <ac:spMkLst>
             <pc:docMk/>
             <pc:sldMk cId="542633763" sldId="277"/>
@@ -326,7 +311,7 @@
           </ac:spMkLst>
         </pc:spChg>
         <pc:spChg chg="mod">
-          <ac:chgData name="Luke Gaffney" userId="6fa697cc8cd57f76" providerId="LiveId" clId="{528BD4CA-A453-43AA-8F73-3E975C3B2CFE}" dt="2025-12-19T16:38:21.695" v="1614" actId="208"/>
+          <ac:chgData name="Luke Gaffney" userId="6fa697cc8cd57f76" providerId="LiveId" clId="{528BD4CA-A453-43AA-8F73-3E975C3B2CFE}" dt="2026-01-05T15:38:12.642" v="3264" actId="1582"/>
           <ac:spMkLst>
             <pc:docMk/>
             <pc:sldMk cId="542633763" sldId="277"/>
@@ -367,7 +352,7 @@
         </pc:spChg>
       </pc:sldChg>
       <pc:sldChg chg="addSp delSp modSp mod setBg modNotesTx">
-        <pc:chgData name="Luke Gaffney" userId="6fa697cc8cd57f76" providerId="LiveId" clId="{528BD4CA-A453-43AA-8F73-3E975C3B2CFE}" dt="2025-12-23T21:18:41.826" v="2847"/>
+        <pc:chgData name="Luke Gaffney" userId="6fa697cc8cd57f76" providerId="LiveId" clId="{528BD4CA-A453-43AA-8F73-3E975C3B2CFE}" dt="2026-01-05T17:21:36.546" v="3628" actId="113"/>
         <pc:sldMkLst>
           <pc:docMk/>
           <pc:sldMk cId="835599444" sldId="278"/>
@@ -390,7 +375,7 @@
         </pc:spChg>
       </pc:sldChg>
       <pc:sldChg chg="addSp delSp modSp mod setBg modNotesTx">
-        <pc:chgData name="Luke Gaffney" userId="6fa697cc8cd57f76" providerId="LiveId" clId="{528BD4CA-A453-43AA-8F73-3E975C3B2CFE}" dt="2025-12-23T21:18:51.322" v="2849"/>
+        <pc:chgData name="Luke Gaffney" userId="6fa697cc8cd57f76" providerId="LiveId" clId="{528BD4CA-A453-43AA-8F73-3E975C3B2CFE}" dt="2026-01-05T17:21:50.031" v="3629" actId="113"/>
         <pc:sldMkLst>
           <pc:docMk/>
           <pc:sldMk cId="1987554360" sldId="280"/>
@@ -420,7 +405,15 @@
           </ac:spMkLst>
         </pc:spChg>
         <pc:picChg chg="add mod">
-          <ac:chgData name="Luke Gaffney" userId="6fa697cc8cd57f76" providerId="LiveId" clId="{528BD4CA-A453-43AA-8F73-3E975C3B2CFE}" dt="2025-12-20T14:48:11.377" v="1866" actId="14100"/>
+          <ac:chgData name="Luke Gaffney" userId="6fa697cc8cd57f76" providerId="LiveId" clId="{528BD4CA-A453-43AA-8F73-3E975C3B2CFE}" dt="2026-01-05T15:29:48.021" v="3204" actId="1076"/>
+          <ac:picMkLst>
+            <pc:docMk/>
+            <pc:sldMk cId="1987554360" sldId="280"/>
+            <ac:picMk id="4" creationId="{052B4196-3BE3-0CE2-9267-4AB6AD95E0C0}"/>
+          </ac:picMkLst>
+        </pc:picChg>
+        <pc:picChg chg="add del mod">
+          <ac:chgData name="Luke Gaffney" userId="6fa697cc8cd57f76" providerId="LiveId" clId="{528BD4CA-A453-43AA-8F73-3E975C3B2CFE}" dt="2026-01-05T15:28:46.279" v="3191" actId="478"/>
           <ac:picMkLst>
             <pc:docMk/>
             <pc:sldMk cId="1987554360" sldId="280"/>
@@ -429,7 +422,7 @@
         </pc:picChg>
       </pc:sldChg>
       <pc:sldChg chg="addSp delSp modSp mod setBg modNotesTx">
-        <pc:chgData name="Luke Gaffney" userId="6fa697cc8cd57f76" providerId="LiveId" clId="{528BD4CA-A453-43AA-8F73-3E975C3B2CFE}" dt="2025-12-23T21:18:55.376" v="2850"/>
+        <pc:chgData name="Luke Gaffney" userId="6fa697cc8cd57f76" providerId="LiveId" clId="{528BD4CA-A453-43AA-8F73-3E975C3B2CFE}" dt="2026-01-05T17:22:04.733" v="3641" actId="20577"/>
         <pc:sldMkLst>
           <pc:docMk/>
           <pc:sldMk cId="2767592310" sldId="282"/>
@@ -483,7 +476,15 @@
           </ac:spMkLst>
         </pc:spChg>
         <pc:picChg chg="add mod">
-          <ac:chgData name="Luke Gaffney" userId="6fa697cc8cd57f76" providerId="LiveId" clId="{528BD4CA-A453-43AA-8F73-3E975C3B2CFE}" dt="2025-12-20T14:48:53.374" v="1875" actId="1076"/>
+          <ac:chgData name="Luke Gaffney" userId="6fa697cc8cd57f76" providerId="LiveId" clId="{528BD4CA-A453-43AA-8F73-3E975C3B2CFE}" dt="2026-01-05T15:35:35.521" v="3224" actId="1076"/>
+          <ac:picMkLst>
+            <pc:docMk/>
+            <pc:sldMk cId="2767592310" sldId="282"/>
+            <ac:picMk id="4" creationId="{19AD51AE-DF4F-6B5B-A05A-423474F3BDF8}"/>
+          </ac:picMkLst>
+        </pc:picChg>
+        <pc:picChg chg="add del mod">
+          <ac:chgData name="Luke Gaffney" userId="6fa697cc8cd57f76" providerId="LiveId" clId="{528BD4CA-A453-43AA-8F73-3E975C3B2CFE}" dt="2026-01-05T15:34:23.913" v="3205" actId="478"/>
           <ac:picMkLst>
             <pc:docMk/>
             <pc:sldMk cId="2767592310" sldId="282"/>
@@ -500,7 +501,7 @@
         </pc:cxnChg>
       </pc:sldChg>
       <pc:sldChg chg="addSp delSp modSp mod setBg modNotesTx">
-        <pc:chgData name="Luke Gaffney" userId="6fa697cc8cd57f76" providerId="LiveId" clId="{528BD4CA-A453-43AA-8F73-3E975C3B2CFE}" dt="2025-12-23T21:19:00.276" v="2851"/>
+        <pc:chgData name="Luke Gaffney" userId="6fa697cc8cd57f76" providerId="LiveId" clId="{528BD4CA-A453-43AA-8F73-3E975C3B2CFE}" dt="2026-01-05T17:25:00.401" v="3651" actId="20577"/>
         <pc:sldMkLst>
           <pc:docMk/>
           <pc:sldMk cId="2267194495" sldId="283"/>
@@ -530,7 +531,15 @@
           </ac:spMkLst>
         </pc:spChg>
         <pc:picChg chg="add mod">
-          <ac:chgData name="Luke Gaffney" userId="6fa697cc8cd57f76" providerId="LiveId" clId="{528BD4CA-A453-43AA-8F73-3E975C3B2CFE}" dt="2025-12-20T14:49:25.022" v="1884" actId="14100"/>
+          <ac:chgData name="Luke Gaffney" userId="6fa697cc8cd57f76" providerId="LiveId" clId="{528BD4CA-A453-43AA-8F73-3E975C3B2CFE}" dt="2026-01-05T15:36:05.521" v="3233" actId="1076"/>
+          <ac:picMkLst>
+            <pc:docMk/>
+            <pc:sldMk cId="2267194495" sldId="283"/>
+            <ac:picMk id="4" creationId="{7E3D6DB2-8495-5ABC-2FAB-2F1449DB5C6C}"/>
+          </ac:picMkLst>
+        </pc:picChg>
+        <pc:picChg chg="add del mod">
+          <ac:chgData name="Luke Gaffney" userId="6fa697cc8cd57f76" providerId="LiveId" clId="{528BD4CA-A453-43AA-8F73-3E975C3B2CFE}" dt="2026-01-05T15:34:30.753" v="3207" actId="478"/>
           <ac:picMkLst>
             <pc:docMk/>
             <pc:sldMk cId="2267194495" sldId="283"/>
@@ -539,7 +548,7 @@
         </pc:picChg>
       </pc:sldChg>
       <pc:sldChg chg="addSp delSp modSp mod setBg modNotesTx">
-        <pc:chgData name="Luke Gaffney" userId="6fa697cc8cd57f76" providerId="LiveId" clId="{528BD4CA-A453-43AA-8F73-3E975C3B2CFE}" dt="2025-12-23T21:19:04.985" v="2852"/>
+        <pc:chgData name="Luke Gaffney" userId="6fa697cc8cd57f76" providerId="LiveId" clId="{528BD4CA-A453-43AA-8F73-3E975C3B2CFE}" dt="2026-01-05T17:25:23.517" v="3656" actId="20577"/>
         <pc:sldMkLst>
           <pc:docMk/>
           <pc:sldMk cId="3664452497" sldId="284"/>
@@ -569,7 +578,15 @@
           </ac:spMkLst>
         </pc:spChg>
         <pc:picChg chg="add mod">
-          <ac:chgData name="Luke Gaffney" userId="6fa697cc8cd57f76" providerId="LiveId" clId="{528BD4CA-A453-43AA-8F73-3E975C3B2CFE}" dt="2025-12-20T14:52:45.810" v="1912" actId="1076"/>
+          <ac:chgData name="Luke Gaffney" userId="6fa697cc8cd57f76" providerId="LiveId" clId="{528BD4CA-A453-43AA-8F73-3E975C3B2CFE}" dt="2026-01-05T15:36:36.189" v="3242" actId="14100"/>
+          <ac:picMkLst>
+            <pc:docMk/>
+            <pc:sldMk cId="3664452497" sldId="284"/>
+            <ac:picMk id="4" creationId="{F198F5E3-645C-D31C-F4C1-30BCE2265AB2}"/>
+          </ac:picMkLst>
+        </pc:picChg>
+        <pc:picChg chg="add del mod">
+          <ac:chgData name="Luke Gaffney" userId="6fa697cc8cd57f76" providerId="LiveId" clId="{528BD4CA-A453-43AA-8F73-3E975C3B2CFE}" dt="2026-01-05T15:34:36.273" v="3209" actId="478"/>
           <ac:picMkLst>
             <pc:docMk/>
             <pc:sldMk cId="3664452497" sldId="284"/>
@@ -578,7 +595,7 @@
         </pc:picChg>
       </pc:sldChg>
       <pc:sldChg chg="addSp modSp mod setBg modNotesTx">
-        <pc:chgData name="Luke Gaffney" userId="6fa697cc8cd57f76" providerId="LiveId" clId="{528BD4CA-A453-43AA-8F73-3E975C3B2CFE}" dt="2025-12-23T21:19:26.128" v="2857"/>
+        <pc:chgData name="Luke Gaffney" userId="6fa697cc8cd57f76" providerId="LiveId" clId="{528BD4CA-A453-43AA-8F73-3E975C3B2CFE}" dt="2026-01-05T17:32:38.415" v="3856" actId="113"/>
         <pc:sldMkLst>
           <pc:docMk/>
           <pc:sldMk cId="3434264560" sldId="285"/>
@@ -601,7 +618,7 @@
         </pc:spChg>
       </pc:sldChg>
       <pc:sldChg chg="addSp modSp mod setBg modNotesTx">
-        <pc:chgData name="Luke Gaffney" userId="6fa697cc8cd57f76" providerId="LiveId" clId="{528BD4CA-A453-43AA-8F73-3E975C3B2CFE}" dt="2025-12-23T21:19:22.479" v="2856"/>
+        <pc:chgData name="Luke Gaffney" userId="6fa697cc8cd57f76" providerId="LiveId" clId="{528BD4CA-A453-43AA-8F73-3E975C3B2CFE}" dt="2026-01-05T17:32:34.741" v="3855" actId="113"/>
         <pc:sldMkLst>
           <pc:docMk/>
           <pc:sldMk cId="3314449408" sldId="286"/>
@@ -624,7 +641,7 @@
         </pc:spChg>
       </pc:sldChg>
       <pc:sldChg chg="addSp delSp modSp mod setBg modNotesTx">
-        <pc:chgData name="Luke Gaffney" userId="6fa697cc8cd57f76" providerId="LiveId" clId="{528BD4CA-A453-43AA-8F73-3E975C3B2CFE}" dt="2025-12-23T21:19:18.045" v="2855"/>
+        <pc:chgData name="Luke Gaffney" userId="6fa697cc8cd57f76" providerId="LiveId" clId="{528BD4CA-A453-43AA-8F73-3E975C3B2CFE}" dt="2026-01-05T17:32:23.229" v="3851" actId="113"/>
         <pc:sldMkLst>
           <pc:docMk/>
           <pc:sldMk cId="2071100020" sldId="287"/>
@@ -647,13 +664,13 @@
         </pc:spChg>
       </pc:sldChg>
       <pc:sldChg chg="addSp delSp modSp mod setBg modNotesTx">
-        <pc:chgData name="Luke Gaffney" userId="6fa697cc8cd57f76" providerId="LiveId" clId="{528BD4CA-A453-43AA-8F73-3E975C3B2CFE}" dt="2025-12-23T21:19:13.624" v="2854"/>
+        <pc:chgData name="Luke Gaffney" userId="6fa697cc8cd57f76" providerId="LiveId" clId="{528BD4CA-A453-43AA-8F73-3E975C3B2CFE}" dt="2026-01-05T19:16:18.881" v="3857" actId="20577"/>
         <pc:sldMkLst>
           <pc:docMk/>
           <pc:sldMk cId="3684625901" sldId="288"/>
         </pc:sldMkLst>
         <pc:spChg chg="mod">
-          <ac:chgData name="Luke Gaffney" userId="6fa697cc8cd57f76" providerId="LiveId" clId="{528BD4CA-A453-43AA-8F73-3E975C3B2CFE}" dt="2025-12-18T21:02:26.060" v="1159" actId="255"/>
+          <ac:chgData name="Luke Gaffney" userId="6fa697cc8cd57f76" providerId="LiveId" clId="{528BD4CA-A453-43AA-8F73-3E975C3B2CFE}" dt="2026-01-05T16:37:38.938" v="3324" actId="255"/>
           <ac:spMkLst>
             <pc:docMk/>
             <pc:sldMk cId="3684625901" sldId="288"/>
@@ -661,7 +678,7 @@
           </ac:spMkLst>
         </pc:spChg>
         <pc:spChg chg="add mod">
-          <ac:chgData name="Luke Gaffney" userId="6fa697cc8cd57f76" providerId="LiveId" clId="{528BD4CA-A453-43AA-8F73-3E975C3B2CFE}" dt="2025-12-23T19:24:41.138" v="2345" actId="1076"/>
+          <ac:chgData name="Luke Gaffney" userId="6fa697cc8cd57f76" providerId="LiveId" clId="{528BD4CA-A453-43AA-8F73-3E975C3B2CFE}" dt="2026-01-05T19:16:18.881" v="3857" actId="20577"/>
           <ac:spMkLst>
             <pc:docMk/>
             <pc:sldMk cId="3684625901" sldId="288"/>
@@ -676,17 +693,41 @@
             <ac:spMk id="7" creationId="{AAB38F1D-65AE-4A13-42AF-46651D5EDEFA}"/>
           </ac:spMkLst>
         </pc:spChg>
-        <pc:picChg chg="add mod">
-          <ac:chgData name="Luke Gaffney" userId="6fa697cc8cd57f76" providerId="LiveId" clId="{528BD4CA-A453-43AA-8F73-3E975C3B2CFE}" dt="2025-12-20T14:50:52.421" v="1909" actId="1076"/>
+        <pc:picChg chg="add del mod">
+          <ac:chgData name="Luke Gaffney" userId="6fa697cc8cd57f76" providerId="LiveId" clId="{528BD4CA-A453-43AA-8F73-3E975C3B2CFE}" dt="2026-01-05T16:24:16.701" v="3287" actId="478"/>
+          <ac:picMkLst>
+            <pc:docMk/>
+            <pc:sldMk cId="3684625901" sldId="288"/>
+            <ac:picMk id="4" creationId="{DEA8426B-6AFD-DAC6-3A98-20174E492F13}"/>
+          </ac:picMkLst>
+        </pc:picChg>
+        <pc:picChg chg="add del mod">
+          <ac:chgData name="Luke Gaffney" userId="6fa697cc8cd57f76" providerId="LiveId" clId="{528BD4CA-A453-43AA-8F73-3E975C3B2CFE}" dt="2026-01-05T16:31:01.524" v="3296" actId="478"/>
+          <ac:picMkLst>
+            <pc:docMk/>
+            <pc:sldMk cId="3684625901" sldId="288"/>
+            <ac:picMk id="6" creationId="{2A7CCC6D-FDAA-EC9E-4C9F-79697854186A}"/>
+          </ac:picMkLst>
+        </pc:picChg>
+        <pc:picChg chg="add del mod">
+          <ac:chgData name="Luke Gaffney" userId="6fa697cc8cd57f76" providerId="LiveId" clId="{528BD4CA-A453-43AA-8F73-3E975C3B2CFE}" dt="2026-01-05T15:34:50.479" v="3213" actId="478"/>
           <ac:picMkLst>
             <pc:docMk/>
             <pc:sldMk cId="3684625901" sldId="288"/>
             <ac:picMk id="9" creationId="{8A92313F-2E06-5EDA-827C-5B06A85D5645}"/>
           </ac:picMkLst>
         </pc:picChg>
+        <pc:picChg chg="add mod">
+          <ac:chgData name="Luke Gaffney" userId="6fa697cc8cd57f76" providerId="LiveId" clId="{528BD4CA-A453-43AA-8F73-3E975C3B2CFE}" dt="2026-01-05T16:35:04.922" v="3317" actId="14100"/>
+          <ac:picMkLst>
+            <pc:docMk/>
+            <pc:sldMk cId="3684625901" sldId="288"/>
+            <ac:picMk id="10" creationId="{A692C29B-25EE-7B86-E930-B1F4C2FEA138}"/>
+          </ac:picMkLst>
+        </pc:picChg>
       </pc:sldChg>
       <pc:sldChg chg="addSp delSp modSp add mod setBg modNotesTx">
-        <pc:chgData name="Luke Gaffney" userId="6fa697cc8cd57f76" providerId="LiveId" clId="{528BD4CA-A453-43AA-8F73-3E975C3B2CFE}" dt="2025-12-23T21:19:09.636" v="2853"/>
+        <pc:chgData name="Luke Gaffney" userId="6fa697cc8cd57f76" providerId="LiveId" clId="{528BD4CA-A453-43AA-8F73-3E975C3B2CFE}" dt="2026-01-05T17:29:04.484" v="3703" actId="20577"/>
         <pc:sldMkLst>
           <pc:docMk/>
           <pc:sldMk cId="1769301805" sldId="290"/>
@@ -716,7 +757,15 @@
           </ac:spMkLst>
         </pc:spChg>
         <pc:picChg chg="add mod">
-          <ac:chgData name="Luke Gaffney" userId="6fa697cc8cd57f76" providerId="LiveId" clId="{528BD4CA-A453-43AA-8F73-3E975C3B2CFE}" dt="2025-12-20T14:50:21.530" v="1901" actId="1076"/>
+          <ac:chgData name="Luke Gaffney" userId="6fa697cc8cd57f76" providerId="LiveId" clId="{528BD4CA-A453-43AA-8F73-3E975C3B2CFE}" dt="2026-01-05T15:37:04.089" v="3252" actId="1076"/>
+          <ac:picMkLst>
+            <pc:docMk/>
+            <pc:sldMk cId="1769301805" sldId="290"/>
+            <ac:picMk id="5" creationId="{0910D6F0-3995-51D4-955A-BD9C74CF6157}"/>
+          </ac:picMkLst>
+        </pc:picChg>
+        <pc:picChg chg="add del mod">
+          <ac:chgData name="Luke Gaffney" userId="6fa697cc8cd57f76" providerId="LiveId" clId="{528BD4CA-A453-43AA-8F73-3E975C3B2CFE}" dt="2026-01-05T15:34:43.279" v="3211" actId="478"/>
           <ac:picMkLst>
             <pc:docMk/>
             <pc:sldMk cId="1769301805" sldId="290"/>
@@ -747,31 +796,8 @@
           </ac:spMkLst>
         </pc:spChg>
       </pc:sldChg>
-      <pc:sldChg chg="delSp modSp add del mod modNotesTx">
-        <pc:chgData name="Luke Gaffney" userId="6fa697cc8cd57f76" providerId="LiveId" clId="{528BD4CA-A453-43AA-8F73-3E975C3B2CFE}" dt="2025-12-23T20:43:40.262" v="2841" actId="2696"/>
-        <pc:sldMkLst>
-          <pc:docMk/>
-          <pc:sldMk cId="1686711882" sldId="292"/>
-        </pc:sldMkLst>
-        <pc:spChg chg="mod">
-          <ac:chgData name="Luke Gaffney" userId="6fa697cc8cd57f76" providerId="LiveId" clId="{528BD4CA-A453-43AA-8F73-3E975C3B2CFE}" dt="2025-12-23T16:23:51.166" v="2148"/>
-          <ac:spMkLst>
-            <pc:docMk/>
-            <pc:sldMk cId="1686711882" sldId="292"/>
-            <ac:spMk id="2" creationId="{CD6FF901-3623-B081-894D-6037AE8A1A02}"/>
-          </ac:spMkLst>
-        </pc:spChg>
-        <pc:spChg chg="del mod">
-          <ac:chgData name="Luke Gaffney" userId="6fa697cc8cd57f76" providerId="LiveId" clId="{528BD4CA-A453-43AA-8F73-3E975C3B2CFE}" dt="2025-12-23T20:43:34.164" v="2839"/>
-          <ac:spMkLst>
-            <pc:docMk/>
-            <pc:sldMk cId="1686711882" sldId="292"/>
-            <ac:spMk id="61" creationId="{6C81D7CD-A7E7-0C9B-9716-B188908C0234}"/>
-          </ac:spMkLst>
-        </pc:spChg>
-      </pc:sldChg>
       <pc:sldChg chg="modSp add mod setBg modNotesTx">
-        <pc:chgData name="Luke Gaffney" userId="6fa697cc8cd57f76" providerId="LiveId" clId="{528BD4CA-A453-43AA-8F73-3E975C3B2CFE}" dt="2025-12-23T21:18:37.695" v="2846"/>
+        <pc:chgData name="Luke Gaffney" userId="6fa697cc8cd57f76" providerId="LiveId" clId="{528BD4CA-A453-43AA-8F73-3E975C3B2CFE}" dt="2026-01-05T17:21:32.593" v="3627" actId="113"/>
         <pc:sldMkLst>
           <pc:docMk/>
           <pc:sldMk cId="3315056854" sldId="293"/>
@@ -792,6 +818,45 @@
             <ac:spMk id="61" creationId="{A581FB95-F069-BC84-88AE-577884E5A698}"/>
           </ac:spMkLst>
         </pc:spChg>
+      </pc:sldChg>
+      <pc:sldChg chg="addSp delSp modSp add del mod">
+        <pc:chgData name="Luke Gaffney" userId="6fa697cc8cd57f76" providerId="LiveId" clId="{528BD4CA-A453-43AA-8F73-3E975C3B2CFE}" dt="2026-01-05T16:24:50.167" v="3295" actId="2696"/>
+        <pc:sldMkLst>
+          <pc:docMk/>
+          <pc:sldMk cId="1125741396" sldId="294"/>
+        </pc:sldMkLst>
+        <pc:spChg chg="mod">
+          <ac:chgData name="Luke Gaffney" userId="6fa697cc8cd57f76" providerId="LiveId" clId="{528BD4CA-A453-43AA-8F73-3E975C3B2CFE}" dt="2026-01-05T16:22:05.995" v="3274" actId="20577"/>
+          <ac:spMkLst>
+            <pc:docMk/>
+            <pc:sldMk cId="1125741396" sldId="294"/>
+            <ac:spMk id="2" creationId="{5EF42DC5-22B3-67F1-F686-B84FB501277F}"/>
+          </ac:spMkLst>
+        </pc:spChg>
+        <pc:spChg chg="del mod">
+          <ac:chgData name="Luke Gaffney" userId="6fa697cc8cd57f76" providerId="LiveId" clId="{528BD4CA-A453-43AA-8F73-3E975C3B2CFE}" dt="2026-01-05T16:22:03.873" v="3273" actId="21"/>
+          <ac:spMkLst>
+            <pc:docMk/>
+            <pc:sldMk cId="1125741396" sldId="294"/>
+            <ac:spMk id="5" creationId="{003D3572-A82F-777C-C5EE-DC63744E954F}"/>
+          </ac:spMkLst>
+        </pc:spChg>
+        <pc:picChg chg="del">
+          <ac:chgData name="Luke Gaffney" userId="6fa697cc8cd57f76" providerId="LiveId" clId="{528BD4CA-A453-43AA-8F73-3E975C3B2CFE}" dt="2026-01-05T16:22:00.142" v="3271" actId="478"/>
+          <ac:picMkLst>
+            <pc:docMk/>
+            <pc:sldMk cId="1125741396" sldId="294"/>
+            <ac:picMk id="4" creationId="{20D72F70-201E-F549-DEFA-8C5B13E00D1E}"/>
+          </ac:picMkLst>
+        </pc:picChg>
+        <pc:picChg chg="add mod">
+          <ac:chgData name="Luke Gaffney" userId="6fa697cc8cd57f76" providerId="LiveId" clId="{528BD4CA-A453-43AA-8F73-3E975C3B2CFE}" dt="2026-01-05T16:23:27.918" v="3284" actId="1076"/>
+          <ac:picMkLst>
+            <pc:docMk/>
+            <pc:sldMk cId="1125741396" sldId="294"/>
+            <ac:picMk id="6" creationId="{2877D71D-B134-56A0-F982-1CE0405B407D}"/>
+          </ac:picMkLst>
+        </pc:picChg>
       </pc:sldChg>
     </pc:docChg>
   </pc:docChgLst>
@@ -880,7 +945,7 @@
           <a:p>
             <a:fld id="{79DC4030-9B2D-4C56-AA99-33874DEDBB43}" type="datetimeFigureOut">
               <a:rPr lang="en-US" smtClean="0"/>
-              <a:t>12/23/2025</a:t>
+              <a:t>1/5/2026</a:t>
             </a:fld>
             <a:endParaRPr lang="en-US"/>
           </a:p>
@@ -1196,7 +1261,7 @@
               <a:buChar char="•"/>
             </a:pPr>
             <a:r>
-              <a:rPr lang="en-US" dirty="0"/>
+              <a:rPr lang="en-US" sz="1600" b="1" dirty="0"/>
               <a:t>Hi my name is Luke Gaffney</a:t>
             </a:r>
           </a:p>
@@ -1205,10 +1270,7 @@
               <a:buFont typeface="Arial" panose="020B0604020202020204" pitchFamily="34" charset="0"/>
               <a:buChar char="•"/>
             </a:pPr>
-            <a:r>
-              <a:rPr lang="en-US" dirty="0"/>
-              <a:t>This project examines how housing affordability changed in Metro Nashville between 2020 and 2023.</a:t>
-            </a:r>
+            <a:endParaRPr lang="en-US" sz="1600" b="1" dirty="0"/>
           </a:p>
           <a:p>
             <a:pPr marL="171450" indent="-171450">
@@ -1216,16 +1278,25 @@
               <a:buChar char="•"/>
             </a:pPr>
             <a:r>
-              <a:rPr lang="en-US" dirty="0"/>
-              <a:t>The reason that I was interested in completing my capstone on this topic is that I have bough and sold a house during this time frame </a:t>
-            </a:r>
-            <a:r>
-              <a:rPr lang="en-US"/>
-              <a:t>and experienced </a:t>
-            </a:r>
-            <a:r>
-              <a:rPr lang="en-US" dirty="0"/>
-              <a:t>first had the highs and the lows of the affordability changes</a:t>
+              <a:rPr lang="en-US" sz="1600" b="1" dirty="0"/>
+              <a:t>This project examines how housing affordability changed in Metro Nashville between 2020 and 2023.</a:t>
+            </a:r>
+          </a:p>
+          <a:p>
+            <a:pPr marL="171450" indent="-171450">
+              <a:buFont typeface="Arial" panose="020B0604020202020204" pitchFamily="34" charset="0"/>
+              <a:buChar char="•"/>
+            </a:pPr>
+            <a:endParaRPr lang="en-US" sz="1600" b="1" dirty="0"/>
+          </a:p>
+          <a:p>
+            <a:pPr marL="171450" indent="-171450">
+              <a:buFont typeface="Arial" panose="020B0604020202020204" pitchFamily="34" charset="0"/>
+              <a:buChar char="•"/>
+            </a:pPr>
+            <a:r>
+              <a:rPr lang="en-US" sz="1600" b="1" dirty="0"/>
+              <a:t>The reason that I was interested in completing my capstone on this topic is that I have bough and sold a house in metro Nashville during this time frame and experienced firsthand how affordability changed.</a:t>
             </a:r>
           </a:p>
           <a:p>
@@ -1322,7 +1393,7 @@
               <a:buChar char="•"/>
             </a:pPr>
             <a:r>
-              <a:rPr lang="en-US" dirty="0"/>
+              <a:rPr lang="en-US" b="1" dirty="0"/>
               <a:t>This slide shows the share of median household income needed to comfortably afford monthly mortgage payments.</a:t>
             </a:r>
           </a:p>
@@ -1331,7 +1402,37 @@
               <a:buFont typeface="Arial" panose="020B0604020202020204" pitchFamily="34" charset="0"/>
               <a:buChar char="•"/>
             </a:pPr>
-            <a:endParaRPr lang="en-US" dirty="0"/>
+            <a:endParaRPr lang="en-US" b="1" dirty="0"/>
+          </a:p>
+          <a:p>
+            <a:pPr marL="171450" marR="0" lvl="0" indent="-171450" algn="l" defTabSz="914400" rtl="0" eaLnBrk="1" fontAlgn="auto" latinLnBrk="0" hangingPunct="1">
+              <a:lnSpc>
+                <a:spcPct val="100000"/>
+              </a:lnSpc>
+              <a:spcBef>
+                <a:spcPts val="0"/>
+              </a:spcBef>
+              <a:spcAft>
+                <a:spcPts val="0"/>
+              </a:spcAft>
+              <a:buClrTx/>
+              <a:buSzTx/>
+              <a:buFont typeface="Arial" panose="020B0604020202020204" pitchFamily="34" charset="0"/>
+              <a:buChar char="•"/>
+              <a:tabLst/>
+              <a:defRPr/>
+            </a:pPr>
+            <a:r>
+              <a:rPr lang="en-US" b="1" dirty="0"/>
+              <a:t>The dashed line represents the commonly used 30% affordability threshold, above which households are considered cost-burdened to the buyer.</a:t>
+            </a:r>
+          </a:p>
+          <a:p>
+            <a:pPr marL="0" indent="0">
+              <a:buFont typeface="Arial" panose="020B0604020202020204" pitchFamily="34" charset="0"/>
+              <a:buNone/>
+            </a:pPr>
+            <a:endParaRPr lang="en-US" b="1" dirty="0"/>
           </a:p>
           <a:p>
             <a:pPr marL="171450" indent="-171450">
@@ -1339,8 +1440,8 @@
               <a:buChar char="•"/>
             </a:pPr>
             <a:r>
-              <a:rPr lang="en-US" dirty="0"/>
-              <a:t>The dashed line represents the commonly used 30% affordability threshold. </a:t>
+              <a:rPr lang="en-US" b="1" dirty="0"/>
+              <a:t>This chart estimates the share of median household income required for monthly mortgage payments on a median-priced home. Monthly mortgage payments are calculated using median home prices and mortgage rates, then expressed as a percentage of median household income. </a:t>
             </a:r>
           </a:p>
           <a:p>
@@ -1348,67 +1449,86 @@
               <a:buFont typeface="Arial" panose="020B0604020202020204" pitchFamily="34" charset="0"/>
               <a:buChar char="•"/>
             </a:pPr>
-            <a:endParaRPr lang="en-US" dirty="0"/>
+            <a:endParaRPr lang="en-US" b="1" dirty="0"/>
+          </a:p>
+          <a:p>
+            <a:pPr marL="171450" marR="0" lvl="0" indent="-171450" algn="l" defTabSz="914400" rtl="0" eaLnBrk="1" fontAlgn="auto" latinLnBrk="0" hangingPunct="1">
+              <a:lnSpc>
+                <a:spcPct val="100000"/>
+              </a:lnSpc>
+              <a:spcBef>
+                <a:spcPts val="0"/>
+              </a:spcBef>
+              <a:spcAft>
+                <a:spcPts val="0"/>
+              </a:spcAft>
+              <a:buClrTx/>
+              <a:buSzTx/>
+              <a:buFont typeface="Arial" panose="020B0604020202020204" pitchFamily="34" charset="0"/>
+              <a:buChar char="•"/>
+              <a:tabLst/>
+              <a:defRPr/>
+            </a:pPr>
+            <a:r>
+              <a:rPr lang="en-US" b="1" dirty="0"/>
+              <a:t>By 2023, housing costs exceeded this threshold for median-income households. Reducing affordability for many median-income households under standard housing cost thresholds.</a:t>
+            </a:r>
+          </a:p>
+          <a:p>
+            <a:pPr marL="171450" marR="0" lvl="0" indent="-171450" algn="l" defTabSz="914400" rtl="0" eaLnBrk="1" fontAlgn="auto" latinLnBrk="0" hangingPunct="1">
+              <a:lnSpc>
+                <a:spcPct val="100000"/>
+              </a:lnSpc>
+              <a:spcBef>
+                <a:spcPts val="0"/>
+              </a:spcBef>
+              <a:spcAft>
+                <a:spcPts val="0"/>
+              </a:spcAft>
+              <a:buClrTx/>
+              <a:buSzTx/>
+              <a:buFont typeface="Arial" panose="020B0604020202020204" pitchFamily="34" charset="0"/>
+              <a:buChar char="•"/>
+              <a:tabLst/>
+              <a:defRPr/>
+            </a:pPr>
+            <a:endParaRPr lang="en-US" b="1" dirty="0"/>
+          </a:p>
+          <a:p>
+            <a:pPr marL="171450" marR="0" lvl="0" indent="-171450" algn="l" defTabSz="914400" rtl="0" eaLnBrk="1" fontAlgn="auto" latinLnBrk="0" hangingPunct="1">
+              <a:lnSpc>
+                <a:spcPct val="100000"/>
+              </a:lnSpc>
+              <a:spcBef>
+                <a:spcPts val="0"/>
+              </a:spcBef>
+              <a:spcAft>
+                <a:spcPts val="0"/>
+              </a:spcAft>
+              <a:buClrTx/>
+              <a:buSzTx/>
+              <a:buFont typeface="Arial" panose="020B0604020202020204" pitchFamily="34" charset="0"/>
+              <a:buChar char="•"/>
+              <a:tabLst/>
+              <a:defRPr/>
+            </a:pPr>
+            <a:endParaRPr lang="en-US" b="1" dirty="0"/>
           </a:p>
           <a:p>
             <a:pPr marL="171450" indent="-171450">
               <a:buFont typeface="Arial" panose="020B0604020202020204" pitchFamily="34" charset="0"/>
               <a:buChar char="•"/>
             </a:pPr>
-            <a:r>
-              <a:rPr lang="en-US" dirty="0"/>
-              <a:t>By 2023, housing costs exceeded this threshold for median-income households.</a:t>
-            </a:r>
+            <a:endParaRPr lang="en-US" b="1" dirty="0"/>
           </a:p>
           <a:p>
             <a:pPr marL="171450" indent="-171450">
               <a:buFont typeface="Arial" panose="020B0604020202020204" pitchFamily="34" charset="0"/>
               <a:buChar char="•"/>
             </a:pPr>
-            <a:endParaRPr lang="en-US" dirty="0"/>
-          </a:p>
-          <a:p>
-            <a:pPr marL="171450" indent="-171450">
-              <a:buFont typeface="Arial" panose="020B0604020202020204" pitchFamily="34" charset="0"/>
-              <a:buChar char="•"/>
-            </a:pPr>
-            <a:r>
-              <a:rPr lang="en-US" dirty="0"/>
-              <a:t>reducing affordability for many median-income households under standard housing cost thresholds.</a:t>
-            </a:r>
-          </a:p>
-          <a:p>
-            <a:pPr marL="171450" indent="-171450">
-              <a:buFont typeface="Arial" panose="020B0604020202020204" pitchFamily="34" charset="0"/>
-              <a:buChar char="•"/>
-            </a:pPr>
-            <a:endParaRPr lang="en-US" dirty="0"/>
-          </a:p>
-          <a:p>
-            <a:pPr marL="171450" indent="-171450">
-              <a:buFont typeface="Arial" panose="020B0604020202020204" pitchFamily="34" charset="0"/>
-              <a:buChar char="•"/>
-            </a:pPr>
-            <a:r>
-              <a:rPr lang="en-US" dirty="0"/>
-              <a:t>This chart estimates the share of median household income required for monthly mortgage payments on a median-priced home. Monthly mortgage payments are calculated using median home prices and prevailing mortgage rates, then expressed as a percentage of median household income. The dashed line marks the commonly used 30% affordability benchmark, above which households are considered cost-burdened. By 2023, housing costs exceeded this threshold for many median-income households, indicating a significant decline in homeownership affordability.</a:t>
-            </a:r>
-          </a:p>
-          <a:p>
-            <a:pPr marL="171450" indent="-171450">
-              <a:buFont typeface="Arial" panose="020B0604020202020204" pitchFamily="34" charset="0"/>
-              <a:buChar char="•"/>
-            </a:pPr>
-            <a:endParaRPr lang="en-US" dirty="0"/>
-          </a:p>
-          <a:p>
-            <a:pPr marL="171450" indent="-171450">
-              <a:buFont typeface="Arial" panose="020B0604020202020204" pitchFamily="34" charset="0"/>
-              <a:buChar char="•"/>
-            </a:pPr>
-            <a:r>
-              <a:rPr lang="en-US" dirty="0"/>
-              <a:t>If asked how I did this I calculated  what the average monthly mortgage payment would be with 20% down and the interest rate that year and used the median monthly income</a:t>
+            <a:r>
+              <a:rPr lang="en-US" b="1" dirty="0"/>
+              <a:t>If asked how I did this, I calculated  what the average monthly mortgage payment would be with 20% down and the interest rate that year and used the median monthly income</a:t>
             </a:r>
           </a:p>
           <a:p>
@@ -1501,8 +1621,8 @@
               <a:buChar char="•"/>
             </a:pPr>
             <a:r>
-              <a:rPr lang="en-US" dirty="0"/>
-              <a:t>Affordability changes were not evenly distributed across Metro Nashville. This slide shows the zips codes that saw the largest increase to their price to income ratio</a:t>
+              <a:rPr lang="en-US" b="1" dirty="0"/>
+              <a:t>Affordability changes were not evenly distributed across Metro Nashville. </a:t>
             </a:r>
           </a:p>
           <a:p>
@@ -1510,7 +1630,7 @@
               <a:buFont typeface="Arial" panose="020B0604020202020204" pitchFamily="34" charset="0"/>
               <a:buChar char="•"/>
             </a:pPr>
-            <a:endParaRPr lang="en-US" dirty="0"/>
+            <a:endParaRPr lang="en-US" b="1" dirty="0"/>
           </a:p>
           <a:p>
             <a:pPr marL="171450" indent="-171450">
@@ -1518,8 +1638,8 @@
               <a:buChar char="•"/>
             </a:pPr>
             <a:r>
-              <a:rPr lang="en-US" dirty="0"/>
-              <a:t>Some ZIP codes experienced much larger increases in price-to-income ratios than others.</a:t>
+              <a:rPr lang="en-US" b="1" dirty="0"/>
+              <a:t>This map shows that affordability pressures were widespread across Metro Nashville. While nearly all ZIP codes saw worsening affordability, only two experienced improvements. In those areas, income growth outpaced home price increases, leading to a decline in price-to-income ratios.</a:t>
             </a:r>
           </a:p>
           <a:p>
@@ -1527,7 +1647,7 @@
               <a:buFont typeface="Arial" panose="020B0604020202020204" pitchFamily="34" charset="0"/>
               <a:buChar char="•"/>
             </a:pPr>
-            <a:endParaRPr lang="en-US" dirty="0"/>
+            <a:endParaRPr lang="en-US" b="1" dirty="0"/>
           </a:p>
           <a:p>
             <a:pPr marL="171450" indent="-171450">
@@ -1535,8 +1655,8 @@
               <a:buChar char="•"/>
             </a:pPr>
             <a:r>
-              <a:rPr lang="en-US" dirty="0"/>
-              <a:t>These differences suggest that neighborhood-level market dynamics played an important role in shaping affordability outcomes.</a:t>
+              <a:rPr lang="en-US" b="1" dirty="0"/>
+              <a:t>Some ZIP codes experienced much larger increases in price-to-income ratios than others.</a:t>
             </a:r>
           </a:p>
           <a:p>
@@ -1544,7 +1664,7 @@
               <a:buFont typeface="Arial" panose="020B0604020202020204" pitchFamily="34" charset="0"/>
               <a:buChar char="•"/>
             </a:pPr>
-            <a:endParaRPr lang="en-US" dirty="0"/>
+            <a:endParaRPr lang="en-US" b="1" dirty="0"/>
           </a:p>
           <a:p>
             <a:pPr marL="171450" indent="-171450">
@@ -1552,9 +1672,33 @@
               <a:buChar char="•"/>
             </a:pPr>
             <a:r>
-              <a:rPr lang="en-US" dirty="0"/>
+              <a:rPr lang="en-US" b="1" dirty="0"/>
+              <a:t>This suggests that affordability outcomes are driven by localized income and housing market dynamics rather than uniform metro-wide trends.</a:t>
+            </a:r>
+          </a:p>
+          <a:p>
+            <a:pPr marL="171450" indent="-171450">
+              <a:buFont typeface="Arial" panose="020B0604020202020204" pitchFamily="34" charset="0"/>
+              <a:buChar char="•"/>
+            </a:pPr>
+            <a:endParaRPr lang="en-US" b="1" dirty="0"/>
+          </a:p>
+          <a:p>
+            <a:pPr marL="171450" indent="-171450">
+              <a:buFont typeface="Arial" panose="020B0604020202020204" pitchFamily="34" charset="0"/>
+              <a:buChar char="•"/>
+            </a:pPr>
+            <a:r>
+              <a:rPr lang="en-US" b="1" dirty="0"/>
               <a:t>This highlights the importance of examining affordability at a local level rather than relying only on metro-wide averages.</a:t>
             </a:r>
+          </a:p>
+          <a:p>
+            <a:pPr marL="171450" indent="-171450">
+              <a:buFont typeface="Arial" panose="020B0604020202020204" pitchFamily="34" charset="0"/>
+              <a:buChar char="•"/>
+            </a:pPr>
+            <a:endParaRPr lang="en-US" b="1" dirty="0"/>
           </a:p>
           <a:p>
             <a:endParaRPr lang="en-US" dirty="0"/>
@@ -1646,7 +1790,7 @@
               <a:buChar char="•"/>
             </a:pPr>
             <a:r>
-              <a:rPr lang="en-US" dirty="0"/>
+              <a:rPr lang="en-US" b="1" dirty="0"/>
               <a:t>Home prices increased faster than incomes, widening the affordability gap.</a:t>
             </a:r>
           </a:p>
@@ -1655,7 +1799,7 @@
               <a:buFont typeface="Arial" panose="020B0604020202020204" pitchFamily="34" charset="0"/>
               <a:buChar char="•"/>
             </a:pPr>
-            <a:endParaRPr lang="en-US" dirty="0"/>
+            <a:endParaRPr lang="en-US" b="1" dirty="0"/>
           </a:p>
           <a:p>
             <a:pPr marL="171450" indent="-171450">
@@ -1663,7 +1807,7 @@
               <a:buChar char="•"/>
             </a:pPr>
             <a:r>
-              <a:rPr lang="en-US" dirty="0"/>
+              <a:rPr lang="en-US" b="1" dirty="0"/>
               <a:t>Rising mortgage rates significantly increased borrowing costs.</a:t>
             </a:r>
           </a:p>
@@ -1672,7 +1816,7 @@
               <a:buFont typeface="Arial" panose="020B0604020202020204" pitchFamily="34" charset="0"/>
               <a:buChar char="•"/>
             </a:pPr>
-            <a:endParaRPr lang="en-US" dirty="0"/>
+            <a:endParaRPr lang="en-US" b="1" dirty="0"/>
           </a:p>
           <a:p>
             <a:pPr marL="171450" indent="-171450">
@@ -1680,7 +1824,7 @@
               <a:buChar char="•"/>
             </a:pPr>
             <a:r>
-              <a:rPr lang="en-US" dirty="0"/>
+              <a:rPr lang="en-US" b="1" dirty="0"/>
               <a:t>Housing market conditions tightened early in the period and remained challenging.</a:t>
             </a:r>
           </a:p>
@@ -1689,7 +1833,7 @@
               <a:buFont typeface="Arial" panose="020B0604020202020204" pitchFamily="34" charset="0"/>
               <a:buChar char="•"/>
             </a:pPr>
-            <a:endParaRPr lang="en-US" dirty="0"/>
+            <a:endParaRPr lang="en-US" b="1" dirty="0"/>
           </a:p>
           <a:p>
             <a:pPr marL="171450" indent="-171450">
@@ -1697,7 +1841,7 @@
               <a:buChar char="•"/>
             </a:pPr>
             <a:r>
-              <a:rPr lang="en-US" dirty="0"/>
+              <a:rPr lang="en-US" b="1" dirty="0"/>
               <a:t>Affordability pressures were uneven across ZIP codes.</a:t>
             </a:r>
           </a:p>
@@ -1706,7 +1850,7 @@
               <a:buFont typeface="Arial" panose="020B0604020202020204" pitchFamily="34" charset="0"/>
               <a:buChar char="•"/>
             </a:pPr>
-            <a:endParaRPr lang="en-US" dirty="0"/>
+            <a:endParaRPr lang="en-US" b="1" dirty="0"/>
           </a:p>
           <a:p>
             <a:pPr marL="171450" indent="-171450">
@@ -1714,7 +1858,7 @@
               <a:buChar char="•"/>
             </a:pPr>
             <a:r>
-              <a:rPr lang="en-US" dirty="0"/>
+              <a:rPr lang="en-US" b="1" dirty="0"/>
               <a:t>Together, these factors contributed to a substantial decline in homeownership affordability.</a:t>
             </a:r>
           </a:p>
@@ -1803,7 +1947,7 @@
           <a:bodyPr/>
           <a:lstStyle/>
           <a:p>
-            <a:endParaRPr lang="en-US" dirty="0"/>
+            <a:endParaRPr lang="en-US" b="1" dirty="0"/>
           </a:p>
           <a:p>
             <a:pPr marL="171450" indent="-171450">
@@ -1811,7 +1955,7 @@
               <a:buChar char="•"/>
             </a:pPr>
             <a:r>
-              <a:rPr lang="en-US" dirty="0"/>
+              <a:rPr lang="en-US" b="1" dirty="0"/>
               <a:t>There are several limitations to this analysis.</a:t>
             </a:r>
           </a:p>
@@ -1820,10 +1964,7 @@
               <a:buFont typeface="Arial" panose="020B0604020202020204" pitchFamily="34" charset="0"/>
               <a:buChar char="•"/>
             </a:pPr>
-            <a:r>
-              <a:rPr lang="en-US" dirty="0"/>
-              <a:t>ZIP code boundaries and definitions vary across data sources.</a:t>
-            </a:r>
+            <a:endParaRPr lang="en-US" b="1" dirty="0"/>
           </a:p>
           <a:p>
             <a:pPr marL="171450" indent="-171450">
@@ -1831,8 +1972,8 @@
               <a:buChar char="•"/>
             </a:pPr>
             <a:r>
-              <a:rPr lang="en-US" dirty="0"/>
-              <a:t>Future work could examine longer time horizons </a:t>
+              <a:rPr lang="en-US" b="1" dirty="0"/>
+              <a:t>ZIP code boundaries and definitions vary across data sources.</a:t>
             </a:r>
           </a:p>
           <a:p>
@@ -1840,8 +1981,32 @@
               <a:buFont typeface="Arial" panose="020B0604020202020204" pitchFamily="34" charset="0"/>
               <a:buChar char="•"/>
             </a:pPr>
-            <a:r>
-              <a:rPr lang="en-US" dirty="0"/>
+            <a:endParaRPr lang="en-US" b="1" dirty="0"/>
+          </a:p>
+          <a:p>
+            <a:pPr marL="171450" indent="-171450">
+              <a:buFont typeface="Arial" panose="020B0604020202020204" pitchFamily="34" charset="0"/>
+              <a:buChar char="•"/>
+            </a:pPr>
+            <a:r>
+              <a:rPr lang="en-US" b="1" dirty="0"/>
+              <a:t>Future work could examine longer time horizons </a:t>
+            </a:r>
+          </a:p>
+          <a:p>
+            <a:pPr marL="171450" indent="-171450">
+              <a:buFont typeface="Arial" panose="020B0604020202020204" pitchFamily="34" charset="0"/>
+              <a:buChar char="•"/>
+            </a:pPr>
+            <a:endParaRPr lang="en-US" b="1" dirty="0"/>
+          </a:p>
+          <a:p>
+            <a:pPr marL="171450" indent="-171450">
+              <a:buFont typeface="Arial" panose="020B0604020202020204" pitchFamily="34" charset="0"/>
+              <a:buChar char="•"/>
+            </a:pPr>
+            <a:r>
+              <a:rPr lang="en-US" b="1" dirty="0"/>
               <a:t>Additional factors like rents or demographic changes could also be explored.</a:t>
             </a:r>
           </a:p>
@@ -1938,7 +2103,7 @@
               <a:buChar char="•"/>
             </a:pPr>
             <a:r>
-              <a:rPr lang="en-US" dirty="0"/>
+              <a:rPr lang="en-US" b="1" dirty="0"/>
               <a:t>Between 2020 and 2023, rising home prices, higher mortgage rates, and constrained market conditions significantly reduced housing affordability in Metro Nashville.</a:t>
             </a:r>
           </a:p>
@@ -1947,7 +2112,7 @@
               <a:buFont typeface="Arial" panose="020B0604020202020204" pitchFamily="34" charset="0"/>
               <a:buChar char="•"/>
             </a:pPr>
-            <a:endParaRPr lang="en-US" dirty="0"/>
+            <a:endParaRPr lang="en-US" b="1" dirty="0"/>
           </a:p>
           <a:p>
             <a:pPr marL="171450" indent="-171450">
@@ -1955,7 +2120,7 @@
               <a:buChar char="•"/>
             </a:pPr>
             <a:r>
-              <a:rPr lang="en-US" dirty="0"/>
+              <a:rPr lang="en-US" b="1" dirty="0"/>
               <a:t>While incomes increased, they did not keep pace with housing costs.</a:t>
             </a:r>
           </a:p>
@@ -1964,7 +2129,7 @@
               <a:buFont typeface="Arial" panose="020B0604020202020204" pitchFamily="34" charset="0"/>
               <a:buChar char="•"/>
             </a:pPr>
-            <a:endParaRPr lang="en-US" dirty="0"/>
+            <a:endParaRPr lang="en-US" b="1" dirty="0"/>
           </a:p>
           <a:p>
             <a:pPr marL="171450" indent="-171450">
@@ -1972,7 +2137,7 @@
               <a:buChar char="•"/>
             </a:pPr>
             <a:r>
-              <a:rPr lang="en-US" dirty="0"/>
+              <a:rPr lang="en-US" b="1" dirty="0"/>
               <a:t>Affordability pressures were not evenly distributed across neighborhoods.</a:t>
             </a:r>
           </a:p>
@@ -1981,7 +2146,7 @@
               <a:buFont typeface="Arial" panose="020B0604020202020204" pitchFamily="34" charset="0"/>
               <a:buChar char="•"/>
             </a:pPr>
-            <a:endParaRPr lang="en-US" dirty="0"/>
+            <a:endParaRPr lang="en-US" b="1" dirty="0"/>
           </a:p>
           <a:p>
             <a:pPr marL="171450" indent="-171450">
@@ -1989,7 +2154,7 @@
               <a:buChar char="•"/>
             </a:pPr>
             <a:r>
-              <a:rPr lang="en-US" dirty="0"/>
+              <a:rPr lang="en-US" b="1" dirty="0"/>
               <a:t>Overall, this analysis shows how multiple market forces combined to worsen housing affordability in Metro Nashville during this period.</a:t>
             </a:r>
           </a:p>
@@ -2251,7 +2416,7 @@
               <a:buChar char="•"/>
             </a:pPr>
             <a:r>
-              <a:rPr lang="en-US" dirty="0"/>
+              <a:rPr lang="en-US" b="1" dirty="0"/>
               <a:t>The purpose of this analysis is to evaluate changes in housing affordability in Metro Nashville during a period of market disruption.</a:t>
             </a:r>
           </a:p>
@@ -2260,7 +2425,7 @@
               <a:buFont typeface="Arial" panose="020B0604020202020204" pitchFamily="34" charset="0"/>
               <a:buChar char="•"/>
             </a:pPr>
-            <a:endParaRPr lang="en-US" dirty="0"/>
+            <a:endParaRPr lang="en-US" b="1" dirty="0"/>
           </a:p>
           <a:p>
             <a:pPr marL="171450" indent="-171450">
@@ -2268,16 +2433,8 @@
               <a:buChar char="•"/>
             </a:pPr>
             <a:r>
-              <a:rPr lang="en-US" dirty="0"/>
-              <a:t>I focused on three key drivers of affordability: </a:t>
-            </a:r>
-            <a:r>
               <a:rPr lang="en-US" b="1" dirty="0"/>
-              <a:t>home prices, household income, and interest rates</a:t>
-            </a:r>
-            <a:r>
-              <a:rPr lang="en-US" dirty="0"/>
-              <a:t>.</a:t>
+              <a:t>I focused on three key drivers of affordability: home prices, household income, and interest rates.</a:t>
             </a:r>
           </a:p>
           <a:p>
@@ -2285,7 +2442,7 @@
               <a:buFont typeface="Arial" panose="020B0604020202020204" pitchFamily="34" charset="0"/>
               <a:buChar char="•"/>
             </a:pPr>
-            <a:endParaRPr lang="en-US" dirty="0"/>
+            <a:endParaRPr lang="en-US" b="1" dirty="0"/>
           </a:p>
           <a:p>
             <a:pPr marL="171450" indent="-171450">
@@ -2293,7 +2450,7 @@
               <a:buChar char="•"/>
             </a:pPr>
             <a:r>
-              <a:rPr lang="en-US" dirty="0"/>
+              <a:rPr lang="en-US" b="1" dirty="0"/>
               <a:t>In addition to overall trends, I examined ZIP Code-level differences to understand whether some neighborhoods experienced greater affordability pressures than others.</a:t>
             </a:r>
           </a:p>
@@ -2465,7 +2622,7 @@
               <a:buChar char="•"/>
             </a:pPr>
             <a:r>
-              <a:rPr lang="en-US" dirty="0"/>
+              <a:rPr lang="en-US" b="1" dirty="0"/>
               <a:t>This project is guided by four research questions.</a:t>
             </a:r>
           </a:p>
@@ -2474,7 +2631,7 @@
               <a:buFont typeface="Arial" panose="020B0604020202020204" pitchFamily="34" charset="0"/>
               <a:buChar char="•"/>
             </a:pPr>
-            <a:endParaRPr lang="en-US" dirty="0"/>
+            <a:endParaRPr lang="en-US" b="1" dirty="0"/>
           </a:p>
           <a:p>
             <a:pPr marL="171450" indent="-171450">
@@ -2482,8 +2639,8 @@
               <a:buChar char="•"/>
             </a:pPr>
             <a:r>
-              <a:rPr lang="en-US" dirty="0"/>
-              <a:t>First, I examine how median home prices changed relative to household income growth.</a:t>
+              <a:rPr lang="en-US" b="1" dirty="0"/>
+              <a:t>First, I examined how median home prices changed relative to household income.</a:t>
             </a:r>
           </a:p>
           <a:p>
@@ -2491,7 +2648,7 @@
               <a:buFont typeface="Arial" panose="020B0604020202020204" pitchFamily="34" charset="0"/>
               <a:buChar char="•"/>
             </a:pPr>
-            <a:endParaRPr lang="en-US" dirty="0"/>
+            <a:endParaRPr lang="en-US" b="1" dirty="0"/>
           </a:p>
           <a:p>
             <a:pPr marL="171450" indent="-171450">
@@ -2499,8 +2656,8 @@
               <a:buChar char="•"/>
             </a:pPr>
             <a:r>
-              <a:rPr lang="en-US" dirty="0"/>
-              <a:t>Second, I look at housing market activity, including inventory indicators and home sales volume.</a:t>
+              <a:rPr lang="en-US" b="1" dirty="0"/>
+              <a:t>Second, I looked at housing market activity, including inventory indicators and home sales volume.</a:t>
             </a:r>
           </a:p>
           <a:p>
@@ -2508,7 +2665,7 @@
               <a:buFont typeface="Arial" panose="020B0604020202020204" pitchFamily="34" charset="0"/>
               <a:buChar char="•"/>
             </a:pPr>
-            <a:endParaRPr lang="en-US" dirty="0"/>
+            <a:endParaRPr lang="en-US" b="1" dirty="0"/>
           </a:p>
           <a:p>
             <a:pPr marL="171450" indent="-171450">
@@ -2516,8 +2673,8 @@
               <a:buChar char="•"/>
             </a:pPr>
             <a:r>
-              <a:rPr lang="en-US" dirty="0"/>
-              <a:t>Third, I assess how rising interest rates affected affordability for a median-income household.</a:t>
+              <a:rPr lang="en-US" b="1" dirty="0"/>
+              <a:t>Third, I assessed how rising interest rates affected affordability for a median-income household.</a:t>
             </a:r>
           </a:p>
           <a:p>
@@ -2525,7 +2682,7 @@
               <a:buFont typeface="Arial" panose="020B0604020202020204" pitchFamily="34" charset="0"/>
               <a:buChar char="•"/>
             </a:pPr>
-            <a:endParaRPr lang="en-US" dirty="0"/>
+            <a:endParaRPr lang="en-US" b="1" dirty="0"/>
           </a:p>
           <a:p>
             <a:pPr marL="171450" indent="-171450">
@@ -2533,8 +2690,8 @@
               <a:buChar char="•"/>
             </a:pPr>
             <a:r>
-              <a:rPr lang="en-US" dirty="0"/>
-              <a:t>Finally, I analyze whether affordability changes were evenly distributed across ZIP codes in Metro Nashville.</a:t>
+              <a:rPr lang="en-US" b="1" dirty="0"/>
+              <a:t>Finally, I analyzed whether affordability changes were evenly distributed across ZIP codes in Metro Nashville.</a:t>
             </a:r>
           </a:p>
           <a:p>
@@ -2693,7 +2850,7 @@
               <a:buChar char="•"/>
             </a:pPr>
             <a:r>
-              <a:rPr lang="en-US" dirty="0"/>
+              <a:rPr lang="en-US" b="1" dirty="0"/>
               <a:t>This analysis focuses on Metro Nashville from 2020 through 2023.</a:t>
             </a:r>
           </a:p>
@@ -2702,7 +2859,7 @@
               <a:buFont typeface="Arial" panose="020B0604020202020204" pitchFamily="34" charset="0"/>
               <a:buChar char="•"/>
             </a:pPr>
-            <a:endParaRPr lang="en-US" dirty="0"/>
+            <a:endParaRPr lang="en-US" b="1" dirty="0"/>
           </a:p>
           <a:p>
             <a:pPr marL="171450" indent="-171450">
@@ -2710,8 +2867,8 @@
               <a:buChar char="•"/>
             </a:pPr>
             <a:r>
-              <a:rPr lang="en-US" dirty="0"/>
-              <a:t>I combine multiple datasets to capture different dimensions of affordability.</a:t>
+              <a:rPr lang="en-US" b="1" dirty="0"/>
+              <a:t>I combined multiple datasets to capture different dimensions of affordability.</a:t>
             </a:r>
           </a:p>
           <a:p>
@@ -2719,7 +2876,7 @@
               <a:buFont typeface="Arial" panose="020B0604020202020204" pitchFamily="34" charset="0"/>
               <a:buChar char="•"/>
             </a:pPr>
-            <a:endParaRPr lang="en-US" dirty="0"/>
+            <a:endParaRPr lang="en-US" b="1" dirty="0"/>
           </a:p>
           <a:p>
             <a:pPr marL="171450" indent="-171450">
@@ -2727,7 +2884,7 @@
               <a:buChar char="•"/>
             </a:pPr>
             <a:r>
-              <a:rPr lang="en-US" dirty="0"/>
+              <a:rPr lang="en-US" b="1" dirty="0"/>
               <a:t>Parcel sales data provided transaction prices for single-family homes.</a:t>
             </a:r>
           </a:p>
@@ -2736,7 +2893,7 @@
               <a:buFont typeface="Arial" panose="020B0604020202020204" pitchFamily="34" charset="0"/>
               <a:buChar char="•"/>
             </a:pPr>
-            <a:endParaRPr lang="en-US" dirty="0"/>
+            <a:endParaRPr lang="en-US" b="1" dirty="0"/>
           </a:p>
           <a:p>
             <a:pPr marL="171450" indent="-171450">
@@ -2744,7 +2901,7 @@
               <a:buChar char="•"/>
             </a:pPr>
             <a:r>
-              <a:rPr lang="en-US" dirty="0"/>
+              <a:rPr lang="en-US" b="1" dirty="0"/>
               <a:t>Redfin data provided housing market indicators like inventory and homes sold.</a:t>
             </a:r>
           </a:p>
@@ -2753,7 +2910,7 @@
               <a:buFont typeface="Arial" panose="020B0604020202020204" pitchFamily="34" charset="0"/>
               <a:buChar char="•"/>
             </a:pPr>
-            <a:endParaRPr lang="en-US" dirty="0"/>
+            <a:endParaRPr lang="en-US" b="1" dirty="0"/>
           </a:p>
           <a:p>
             <a:pPr marL="171450" indent="-171450">
@@ -2761,7 +2918,7 @@
               <a:buChar char="•"/>
             </a:pPr>
             <a:r>
-              <a:rPr lang="en-US" dirty="0"/>
+              <a:rPr lang="en-US" b="1" dirty="0"/>
               <a:t>Census ACS data provided median household income at the ZIP code level.</a:t>
             </a:r>
           </a:p>
@@ -2770,7 +2927,7 @@
               <a:buFont typeface="Arial" panose="020B0604020202020204" pitchFamily="34" charset="0"/>
               <a:buChar char="•"/>
             </a:pPr>
-            <a:endParaRPr lang="en-US" dirty="0"/>
+            <a:endParaRPr lang="en-US" b="1" dirty="0"/>
           </a:p>
           <a:p>
             <a:pPr marL="171450" indent="-171450">
@@ -2778,7 +2935,7 @@
               <a:buChar char="•"/>
             </a:pPr>
             <a:r>
-              <a:rPr lang="en-US" dirty="0"/>
+              <a:rPr lang="en-US" b="1" dirty="0"/>
               <a:t>Mortgage rate data came from FRED and reflect national 30-year fixed rates.</a:t>
             </a:r>
           </a:p>
@@ -2873,7 +3030,7 @@
             </a:pPr>
             <a:r>
               <a:rPr lang="en-US" dirty="0"/>
-              <a:t>This slide provides a high-level comparison between 2020 and 2023.</a:t>
+              <a:t>This provides a high-level comparison for Metro Nashville between 2020 and 2023.</a:t>
             </a:r>
           </a:p>
           <a:p>
@@ -2890,7 +3047,7 @@
             </a:pPr>
             <a:r>
               <a:rPr lang="en-US" dirty="0"/>
-              <a:t>Median home prices increased from about $320,000 to over $437,000.</a:t>
+              <a:t>Median home prices increased from $320,000 to over $437,000.</a:t>
             </a:r>
           </a:p>
           <a:p>
@@ -3034,8 +3191,8 @@
               <a:buChar char="•"/>
             </a:pPr>
             <a:r>
-              <a:rPr lang="en-US" dirty="0"/>
-              <a:t>This slide compares trends in median home prices and median household income.</a:t>
+              <a:rPr lang="en-US" b="1" dirty="0"/>
+              <a:t>This compares trends in median home prices and median household income.</a:t>
             </a:r>
           </a:p>
           <a:p>
@@ -3043,7 +3200,7 @@
               <a:buFont typeface="Arial" panose="020B0604020202020204" pitchFamily="34" charset="0"/>
               <a:buChar char="•"/>
             </a:pPr>
-            <a:endParaRPr lang="en-US" dirty="0"/>
+            <a:endParaRPr lang="en-US" b="1" dirty="0"/>
           </a:p>
           <a:p>
             <a:pPr marL="171450" indent="-171450">
@@ -3051,7 +3208,7 @@
               <a:buChar char="•"/>
             </a:pPr>
             <a:r>
-              <a:rPr lang="en-US" dirty="0"/>
+              <a:rPr lang="en-US" b="1" dirty="0"/>
               <a:t>Home prices increased substantially faster than incomes over this period.</a:t>
             </a:r>
           </a:p>
@@ -3060,7 +3217,7 @@
               <a:buFont typeface="Arial" panose="020B0604020202020204" pitchFamily="34" charset="0"/>
               <a:buChar char="•"/>
             </a:pPr>
-            <a:endParaRPr lang="en-US" dirty="0"/>
+            <a:endParaRPr lang="en-US" b="1" dirty="0"/>
           </a:p>
           <a:p>
             <a:pPr marL="171450" indent="-171450">
@@ -3068,8 +3225,8 @@
               <a:buChar char="•"/>
             </a:pPr>
             <a:r>
-              <a:rPr lang="en-US" dirty="0"/>
-              <a:t>Between 2020 and 2023, prices rose by roughly 37%, while incomes increased by about 20%.</a:t>
+              <a:rPr lang="en-US" b="1" dirty="0"/>
+              <a:t>Between 2020 and 2023, prices rose by roughly 37%, while incomes only increased by about 20%.</a:t>
             </a:r>
           </a:p>
           <a:p>
@@ -3077,7 +3234,7 @@
               <a:buFont typeface="Arial" panose="020B0604020202020204" pitchFamily="34" charset="0"/>
               <a:buChar char="•"/>
             </a:pPr>
-            <a:endParaRPr lang="en-US" dirty="0"/>
+            <a:endParaRPr lang="en-US" b="1" dirty="0"/>
           </a:p>
           <a:p>
             <a:pPr marL="171450" indent="-171450">
@@ -3085,8 +3242,8 @@
               <a:buChar char="•"/>
             </a:pPr>
             <a:r>
-              <a:rPr lang="en-US" dirty="0"/>
-              <a:t>This growing gap suggests that affordability worsened even before considering financing costs.</a:t>
+              <a:rPr lang="en-US" b="1" dirty="0"/>
+              <a:t>This growing gap suggests that affordability worsened even before considering other factors.</a:t>
             </a:r>
           </a:p>
           <a:p>
@@ -3174,116 +3331,97 @@
           <a:bodyPr/>
           <a:lstStyle/>
           <a:p>
-            <a:pPr marL="285750" lvl="0" indent="-285750">
+            <a:pPr marL="171450" lvl="0" indent="-171450">
               <a:buFont typeface="Arial" panose="020B0604020202020204" pitchFamily="34" charset="0"/>
               <a:buChar char="•"/>
             </a:pPr>
             <a:r>
-              <a:rPr lang="en-US" dirty="0"/>
-              <a:t>The </a:t>
-            </a:r>
-            <a:r>
               <a:rPr lang="en-US" b="1" dirty="0"/>
-              <a:t>price-to-income ratio</a:t>
-            </a:r>
-            <a:r>
-              <a:rPr lang="en-US" dirty="0"/>
-              <a:t> measures how affordable housing is by comparing the cost of a typical home to the income of a typical household.</a:t>
-            </a:r>
-          </a:p>
-          <a:p>
-            <a:pPr marL="285750" lvl="0" indent="-285750">
-              <a:buFont typeface="Arial" panose="020B0604020202020204" pitchFamily="34" charset="0"/>
-              <a:buChar char="•"/>
-            </a:pPr>
-            <a:endParaRPr lang="en-US" dirty="0"/>
-          </a:p>
-          <a:p>
-            <a:pPr marL="285750" lvl="0" indent="-285750">
-              <a:buFont typeface="Arial" panose="020B0604020202020204" pitchFamily="34" charset="0"/>
-              <a:buChar char="•"/>
-            </a:pPr>
-            <a:r>
-              <a:rPr lang="en-US" b="1" dirty="0"/>
-              <a:t>The formula for this is (Median Home Sale Price/Median Household Income=Price-to-Income Ratio)</a:t>
-            </a:r>
-          </a:p>
-          <a:p>
-            <a:pPr marL="285750" lvl="0" indent="-285750">
-              <a:buFont typeface="Arial" panose="020B0604020202020204" pitchFamily="34" charset="0"/>
-              <a:buChar char="•"/>
-            </a:pPr>
-            <a:r>
-              <a:rPr lang="en-US" dirty="0"/>
-              <a:t>The price-to-income ratio summarizes the relationship between home prices and income</a:t>
-            </a:r>
-            <a:endParaRPr lang="en-US" b="1" dirty="0"/>
-          </a:p>
-          <a:p>
-            <a:pPr marL="285750" lvl="0" indent="-285750">
+              <a:t>The price-to-income ratio measures housing affordability by comparing the cost of a median home to the income of a median household and helps summarizes the relationship between home prices and income</a:t>
+            </a:r>
+          </a:p>
+          <a:p>
+            <a:pPr marL="171450" lvl="0" indent="-171450">
               <a:buFont typeface="Arial" panose="020B0604020202020204" pitchFamily="34" charset="0"/>
               <a:buChar char="•"/>
             </a:pPr>
             <a:endParaRPr lang="en-US" b="1" dirty="0"/>
           </a:p>
           <a:p>
-            <a:pPr marL="285750" lvl="0" indent="-285750">
+            <a:pPr marL="171450" lvl="0" indent="-171450">
               <a:buFont typeface="Arial" panose="020B0604020202020204" pitchFamily="34" charset="0"/>
               <a:buChar char="•"/>
             </a:pPr>
             <a:r>
               <a:rPr lang="en-US" b="1" dirty="0"/>
-              <a:t>This is widely used by HUD or US department of Housing and Urban Development</a:t>
-            </a:r>
-          </a:p>
-          <a:p>
-            <a:pPr marL="0" indent="0">
+              <a:t>The formula for this is (Median Home Sale Price/Median Household Income=Price-to-Income Ratio)</a:t>
+            </a:r>
+          </a:p>
+          <a:p>
+            <a:pPr marL="0" lvl="0" indent="0">
               <a:buFont typeface="Arial" panose="020B0604020202020204" pitchFamily="34" charset="0"/>
               <a:buNone/>
             </a:pPr>
-            <a:endParaRPr lang="en-US" dirty="0"/>
+            <a:endParaRPr lang="en-US" b="1" dirty="0"/>
+          </a:p>
+          <a:p>
+            <a:pPr marL="171450" lvl="0" indent="-171450">
+              <a:buFont typeface="Arial" panose="020B0604020202020204" pitchFamily="34" charset="0"/>
+              <a:buChar char="•"/>
+            </a:pPr>
+            <a:r>
+              <a:rPr lang="en-US" b="1" dirty="0"/>
+              <a:t>This is widely used by the US department of Housing and Urban Development or HUD</a:t>
+            </a:r>
           </a:p>
           <a:p>
             <a:pPr marL="171450" indent="-171450">
               <a:buFont typeface="Arial" panose="020B0604020202020204" pitchFamily="34" charset="0"/>
               <a:buChar char="•"/>
             </a:pPr>
-            <a:r>
-              <a:rPr lang="en-US" dirty="0"/>
-              <a:t>A higher ratio indicates reduced affordability.</a:t>
-            </a:r>
+            <a:endParaRPr lang="en-US" b="1" dirty="0"/>
           </a:p>
           <a:p>
             <a:pPr marL="171450" indent="-171450">
               <a:buFont typeface="Arial" panose="020B0604020202020204" pitchFamily="34" charset="0"/>
               <a:buChar char="•"/>
             </a:pPr>
-            <a:endParaRPr lang="en-US" dirty="0"/>
+            <a:r>
+              <a:rPr lang="en-US" b="1" dirty="0"/>
+              <a:t>A higher ratio indicates reduced affordability.</a:t>
+            </a:r>
           </a:p>
           <a:p>
             <a:pPr marL="171450" indent="-171450">
               <a:buFont typeface="Arial" panose="020B0604020202020204" pitchFamily="34" charset="0"/>
               <a:buChar char="•"/>
             </a:pPr>
-            <a:r>
-              <a:rPr lang="en-US" dirty="0"/>
-              <a:t>Between 2020 and 2022, the ratio increased as prices outpaced income growth.</a:t>
-            </a:r>
+            <a:endParaRPr lang="en-US" b="1" dirty="0"/>
           </a:p>
           <a:p>
             <a:pPr marL="171450" indent="-171450">
               <a:buFont typeface="Arial" panose="020B0604020202020204" pitchFamily="34" charset="0"/>
               <a:buChar char="•"/>
             </a:pPr>
-            <a:endParaRPr lang="en-US" dirty="0"/>
+            <a:r>
+              <a:rPr lang="en-US" b="1" dirty="0"/>
+              <a:t>Between 2020 and 2022, the ratio increased as prices outpaced income growth.</a:t>
+            </a:r>
           </a:p>
           <a:p>
             <a:pPr marL="171450" indent="-171450">
               <a:buFont typeface="Arial" panose="020B0604020202020204" pitchFamily="34" charset="0"/>
               <a:buChar char="•"/>
             </a:pPr>
-            <a:r>
-              <a:rPr lang="en-US" dirty="0"/>
+            <a:endParaRPr lang="en-US" b="1" dirty="0"/>
+          </a:p>
+          <a:p>
+            <a:pPr marL="171450" indent="-171450">
+              <a:buFont typeface="Arial" panose="020B0604020202020204" pitchFamily="34" charset="0"/>
+              <a:buChar char="•"/>
+            </a:pPr>
+            <a:r>
+              <a:rPr lang="en-US" b="1" dirty="0"/>
               <a:t>While income growth in 2023 slightly reduced the ratio, affordability pressure remained elevated compared to earlier years in the period.</a:t>
             </a:r>
           </a:p>
@@ -3397,9 +3535,29 @@
               <a:defRPr/>
             </a:pPr>
             <a:r>
-              <a:rPr lang="en-US" dirty="0"/>
-              <a:t>During this period, Metro Nashville experienced continued population growth, while housing inventory remained constrained. This imbalance between demand and available housing helps explain why prices continued to rise despite fluctuations in sales volume. </a:t>
-            </a:r>
+              <a:rPr lang="en-US" b="1" dirty="0"/>
+              <a:t>This slide shows changes in market conditions.</a:t>
+            </a:r>
+          </a:p>
+          <a:p>
+            <a:pPr marL="0" marR="0" lvl="0" indent="0" algn="l" defTabSz="914400" rtl="0" eaLnBrk="1" fontAlgn="auto" latinLnBrk="0" hangingPunct="1">
+              <a:lnSpc>
+                <a:spcPct val="100000"/>
+              </a:lnSpc>
+              <a:spcBef>
+                <a:spcPts val="0"/>
+              </a:spcBef>
+              <a:spcAft>
+                <a:spcPts val="0"/>
+              </a:spcAft>
+              <a:buClrTx/>
+              <a:buSzTx/>
+              <a:buFont typeface="Arial" panose="020B0604020202020204" pitchFamily="34" charset="0"/>
+              <a:buNone/>
+              <a:tabLst/>
+              <a:defRPr/>
+            </a:pPr>
+            <a:endParaRPr lang="en-US" b="1" dirty="0"/>
           </a:p>
           <a:p>
             <a:pPr marL="171450" marR="0" lvl="0" indent="-171450" algn="l" defTabSz="914400" rtl="0" eaLnBrk="1" fontAlgn="auto" latinLnBrk="0" hangingPunct="1">
@@ -3419,7 +3577,17 @@
               <a:tabLst/>
               <a:defRPr/>
             </a:pPr>
-            <a:endParaRPr lang="en-US" dirty="0"/>
+            <a:r>
+              <a:rPr lang="en-US" b="1" dirty="0"/>
+              <a:t>During this period, Metro Nashville experienced continued population growth, while housing inventory remained constrained. This imbalance between demand and available housing helps explain why prices continued to rise despite fluctuations in sales volume. </a:t>
+            </a:r>
+          </a:p>
+          <a:p>
+            <a:pPr marL="0" indent="0">
+              <a:buFont typeface="Arial" panose="020B0604020202020204" pitchFamily="34" charset="0"/>
+              <a:buNone/>
+            </a:pPr>
+            <a:endParaRPr lang="en-US" b="1" dirty="0"/>
           </a:p>
           <a:p>
             <a:pPr marL="171450" indent="-171450">
@@ -3427,33 +3595,33 @@
               <a:buChar char="•"/>
             </a:pPr>
             <a:r>
-              <a:rPr lang="en-US" dirty="0"/>
-              <a:t>This slide shows changes in housing market conditions.</a:t>
-            </a:r>
+              <a:rPr lang="en-US" b="1" dirty="0"/>
+              <a:t>Average inventory reflects the typical number of homes available for sale at any point during the year. Rather than using a single month, I averaged monthly inventory values to capture overall supply conditions</a:t>
+            </a:r>
+          </a:p>
+          <a:p>
+            <a:pPr marL="0" indent="0">
+              <a:buFont typeface="Arial" panose="020B0604020202020204" pitchFamily="34" charset="0"/>
+              <a:buNone/>
+            </a:pPr>
+            <a:endParaRPr lang="en-US" b="1" dirty="0"/>
           </a:p>
           <a:p>
             <a:pPr marL="171450" indent="-171450">
               <a:buFont typeface="Arial" panose="020B0604020202020204" pitchFamily="34" charset="0"/>
               <a:buChar char="•"/>
             </a:pPr>
-            <a:endParaRPr lang="en-US" dirty="0"/>
+            <a:r>
+              <a:rPr lang="en-US" b="1" dirty="0"/>
+              <a:t>Inventory declined in 2021, tightening market conditions. Even as inventory partially recovered in later years, home sales continued to decline.</a:t>
+            </a:r>
           </a:p>
           <a:p>
             <a:pPr marL="171450" indent="-171450">
               <a:buFont typeface="Arial" panose="020B0604020202020204" pitchFamily="34" charset="0"/>
               <a:buChar char="•"/>
             </a:pPr>
-            <a:r>
-              <a:rPr lang="en-US" dirty="0"/>
-              <a:t>Average inventory reflects the typical number of homes available for sale at any point during the year. Rather than using a single month, I averaged monthly inventory values to capture overall supply conditions</a:t>
-            </a:r>
-          </a:p>
-          <a:p>
-            <a:pPr marL="0" indent="0">
-              <a:buFont typeface="Arial" panose="020B0604020202020204" pitchFamily="34" charset="0"/>
-              <a:buNone/>
-            </a:pPr>
-            <a:endParaRPr lang="en-US" dirty="0"/>
+            <a:endParaRPr lang="en-US" b="1" dirty="0"/>
           </a:p>
           <a:p>
             <a:pPr marL="171450" indent="-171450">
@@ -3461,41 +3629,7 @@
               <a:buChar char="•"/>
             </a:pPr>
             <a:r>
-              <a:rPr lang="en-US" dirty="0"/>
-              <a:t>Inventory declined in 2021, tightening market conditions.</a:t>
-            </a:r>
-          </a:p>
-          <a:p>
-            <a:pPr marL="171450" indent="-171450">
-              <a:buFont typeface="Arial" panose="020B0604020202020204" pitchFamily="34" charset="0"/>
-              <a:buChar char="•"/>
-            </a:pPr>
-            <a:endParaRPr lang="en-US" dirty="0"/>
-          </a:p>
-          <a:p>
-            <a:pPr marL="171450" indent="-171450">
-              <a:buFont typeface="Arial" panose="020B0604020202020204" pitchFamily="34" charset="0"/>
-              <a:buChar char="•"/>
-            </a:pPr>
-            <a:r>
-              <a:rPr lang="en-US" dirty="0"/>
-              <a:t>Even as inventory partially recovered in later years, home sales continued to decline.</a:t>
-            </a:r>
-          </a:p>
-          <a:p>
-            <a:pPr marL="171450" indent="-171450">
-              <a:buFont typeface="Arial" panose="020B0604020202020204" pitchFamily="34" charset="0"/>
-              <a:buChar char="•"/>
-            </a:pPr>
-            <a:endParaRPr lang="en-US" dirty="0"/>
-          </a:p>
-          <a:p>
-            <a:pPr marL="171450" indent="-171450">
-              <a:buFont typeface="Arial" panose="020B0604020202020204" pitchFamily="34" charset="0"/>
-              <a:buChar char="•"/>
-            </a:pPr>
-            <a:r>
-              <a:rPr lang="en-US" dirty="0"/>
+              <a:rPr lang="en-US" b="1" dirty="0"/>
               <a:t>Higher prices and rising mortgage rates reduced buyer activity, contributing to continued affordability challenges.</a:t>
             </a:r>
           </a:p>
@@ -3609,8 +3743,8 @@
               <a:buChar char="•"/>
             </a:pPr>
             <a:r>
-              <a:rPr lang="en-US" dirty="0"/>
-              <a:t>Mortgage interest rates remained historically low in 2020 and 2021.</a:t>
+              <a:rPr lang="en-US" b="1" dirty="0"/>
+              <a:t>Mortgage interest rates remained historically low in 2020 and 2021. Beginning in 2022, rates increased rapidly.</a:t>
             </a:r>
           </a:p>
           <a:p>
@@ -3618,7 +3752,7 @@
               <a:buFont typeface="Arial" panose="020B0604020202020204" pitchFamily="34" charset="0"/>
               <a:buChar char="•"/>
             </a:pPr>
-            <a:endParaRPr lang="en-US" dirty="0"/>
+            <a:endParaRPr lang="en-US" b="1" dirty="0"/>
           </a:p>
           <a:p>
             <a:pPr marL="171450" indent="-171450">
@@ -3626,8 +3760,8 @@
               <a:buChar char="•"/>
             </a:pPr>
             <a:r>
-              <a:rPr lang="en-US" dirty="0"/>
-              <a:t>Beginning in 2022, rates increased rapidly.</a:t>
+              <a:rPr lang="en-US" b="1" dirty="0"/>
+              <a:t>Due to these increases this significantly raised monthly mortgage payments.</a:t>
             </a:r>
           </a:p>
           <a:p>
@@ -3635,7 +3769,7 @@
               <a:buFont typeface="Arial" panose="020B0604020202020204" pitchFamily="34" charset="0"/>
               <a:buChar char="•"/>
             </a:pPr>
-            <a:endParaRPr lang="en-US" dirty="0"/>
+            <a:endParaRPr lang="en-US" b="1" dirty="0"/>
           </a:p>
           <a:p>
             <a:pPr marL="171450" indent="-171450">
@@ -3643,24 +3777,7 @@
               <a:buChar char="•"/>
             </a:pPr>
             <a:r>
-              <a:rPr lang="en-US" dirty="0"/>
-              <a:t>Due to these increases this significantly raised monthly mortgage payments.</a:t>
-            </a:r>
-          </a:p>
-          <a:p>
-            <a:pPr marL="171450" indent="-171450">
-              <a:buFont typeface="Arial" panose="020B0604020202020204" pitchFamily="34" charset="0"/>
-              <a:buChar char="•"/>
-            </a:pPr>
-            <a:endParaRPr lang="en-US" dirty="0"/>
-          </a:p>
-          <a:p>
-            <a:pPr marL="171450" indent="-171450">
-              <a:buFont typeface="Arial" panose="020B0604020202020204" pitchFamily="34" charset="0"/>
-              <a:buChar char="•"/>
-            </a:pPr>
-            <a:r>
-              <a:rPr lang="en-US" dirty="0"/>
+              <a:rPr lang="en-US" b="1" dirty="0"/>
               <a:t>Higher borrowing costs compounded affordability challenges created by rising home prices.</a:t>
             </a:r>
           </a:p>
@@ -3852,7 +3969,7 @@
           <a:p>
             <a:fld id="{13FBD760-3C71-467A-88B1-1440ED683542}" type="datetimeFigureOut">
               <a:rPr lang="en-US" smtClean="0"/>
-              <a:t>12/23/2025</a:t>
+              <a:t>1/5/2026</a:t>
             </a:fld>
             <a:endParaRPr lang="en-US"/>
           </a:p>
@@ -4050,7 +4167,7 @@
           <a:p>
             <a:fld id="{13FBD760-3C71-467A-88B1-1440ED683542}" type="datetimeFigureOut">
               <a:rPr lang="en-US" smtClean="0"/>
-              <a:t>12/23/2025</a:t>
+              <a:t>1/5/2026</a:t>
             </a:fld>
             <a:endParaRPr lang="en-US"/>
           </a:p>
@@ -4258,7 +4375,7 @@
           <a:p>
             <a:fld id="{13FBD760-3C71-467A-88B1-1440ED683542}" type="datetimeFigureOut">
               <a:rPr lang="en-US" smtClean="0"/>
-              <a:t>12/23/2025</a:t>
+              <a:t>1/5/2026</a:t>
             </a:fld>
             <a:endParaRPr lang="en-US"/>
           </a:p>
@@ -4456,7 +4573,7 @@
           <a:p>
             <a:fld id="{13FBD760-3C71-467A-88B1-1440ED683542}" type="datetimeFigureOut">
               <a:rPr lang="en-US" smtClean="0"/>
-              <a:t>12/23/2025</a:t>
+              <a:t>1/5/2026</a:t>
             </a:fld>
             <a:endParaRPr lang="en-US"/>
           </a:p>
@@ -4731,7 +4848,7 @@
           <a:p>
             <a:fld id="{13FBD760-3C71-467A-88B1-1440ED683542}" type="datetimeFigureOut">
               <a:rPr lang="en-US" smtClean="0"/>
-              <a:t>12/23/2025</a:t>
+              <a:t>1/5/2026</a:t>
             </a:fld>
             <a:endParaRPr lang="en-US"/>
           </a:p>
@@ -4996,7 +5113,7 @@
           <a:p>
             <a:fld id="{13FBD760-3C71-467A-88B1-1440ED683542}" type="datetimeFigureOut">
               <a:rPr lang="en-US" smtClean="0"/>
-              <a:t>12/23/2025</a:t>
+              <a:t>1/5/2026</a:t>
             </a:fld>
             <a:endParaRPr lang="en-US"/>
           </a:p>
@@ -5408,7 +5525,7 @@
           <a:p>
             <a:fld id="{13FBD760-3C71-467A-88B1-1440ED683542}" type="datetimeFigureOut">
               <a:rPr lang="en-US" smtClean="0"/>
-              <a:t>12/23/2025</a:t>
+              <a:t>1/5/2026</a:t>
             </a:fld>
             <a:endParaRPr lang="en-US"/>
           </a:p>
@@ -5549,7 +5666,7 @@
           <a:p>
             <a:fld id="{13FBD760-3C71-467A-88B1-1440ED683542}" type="datetimeFigureOut">
               <a:rPr lang="en-US" smtClean="0"/>
-              <a:t>12/23/2025</a:t>
+              <a:t>1/5/2026</a:t>
             </a:fld>
             <a:endParaRPr lang="en-US"/>
           </a:p>
@@ -5662,7 +5779,7 @@
           <a:p>
             <a:fld id="{13FBD760-3C71-467A-88B1-1440ED683542}" type="datetimeFigureOut">
               <a:rPr lang="en-US" smtClean="0"/>
-              <a:t>12/23/2025</a:t>
+              <a:t>1/5/2026</a:t>
             </a:fld>
             <a:endParaRPr lang="en-US"/>
           </a:p>
@@ -5973,7 +6090,7 @@
           <a:p>
             <a:fld id="{13FBD760-3C71-467A-88B1-1440ED683542}" type="datetimeFigureOut">
               <a:rPr lang="en-US" smtClean="0"/>
-              <a:t>12/23/2025</a:t>
+              <a:t>1/5/2026</a:t>
             </a:fld>
             <a:endParaRPr lang="en-US"/>
           </a:p>
@@ -6261,7 +6378,7 @@
           <a:p>
             <a:fld id="{13FBD760-3C71-467A-88B1-1440ED683542}" type="datetimeFigureOut">
               <a:rPr lang="en-US" smtClean="0"/>
-              <a:t>12/23/2025</a:t>
+              <a:t>1/5/2026</a:t>
             </a:fld>
             <a:endParaRPr lang="en-US"/>
           </a:p>
@@ -6502,7 +6619,7 @@
           <a:p>
             <a:fld id="{13FBD760-3C71-467A-88B1-1440ED683542}" type="datetimeFigureOut">
               <a:rPr lang="en-US" smtClean="0"/>
-              <a:t>12/23/2025</a:t>
+              <a:t>1/5/2026</a:t>
             </a:fld>
             <a:endParaRPr lang="en-US"/>
           </a:p>
@@ -8595,10 +8712,10 @@
       </p:sp>
       <p:pic>
         <p:nvPicPr>
-          <p:cNvPr id="9" name="Picture 8" descr="A graph showing the growth of a number of income&#10;&#10;AI-generated content may be incorrect.">
+          <p:cNvPr id="5" name="Picture 4">
             <a:extLst>
               <a:ext uri="{FF2B5EF4-FFF2-40B4-BE49-F238E27FC236}">
-                <a16:creationId xmlns:a16="http://schemas.microsoft.com/office/drawing/2014/main" id="{8F6C37E4-8365-E571-734E-2F260AAEE8F6}"/>
+                <a16:creationId xmlns:a16="http://schemas.microsoft.com/office/drawing/2014/main" id="{0910D6F0-3995-51D4-955A-BD9C74CF6157}"/>
               </a:ext>
             </a:extLst>
           </p:cNvPr>
@@ -8621,8 +8738,8 @@
         </p:blipFill>
         <p:spPr>
           <a:xfrm>
-            <a:off x="669036" y="2102612"/>
-            <a:ext cx="5988322" cy="4087873"/>
+            <a:off x="669036" y="2055813"/>
+            <a:ext cx="6109715" cy="3895838"/>
           </a:xfrm>
           <a:prstGeom prst="rect">
             <a:avLst/>
@@ -8805,8 +8922,8 @@
           <a:lstStyle/>
           <a:p>
             <a:r>
-              <a:rPr lang="en-US" sz="3200" b="1" dirty="0"/>
-              <a:t>Affordability Pressures Varied Widely Across ZIP Codes</a:t>
+              <a:rPr lang="en-US" sz="3000" b="1" dirty="0"/>
+              <a:t>Affordability Pressures Were Uneven Across Metro Nashville</a:t>
             </a:r>
           </a:p>
         </p:txBody>
@@ -9492,8 +9609,8 @@
         </p:nvSpPr>
         <p:spPr>
           <a:xfrm>
-            <a:off x="7329555" y="2836833"/>
-            <a:ext cx="4292600" cy="2585323"/>
+            <a:off x="6875392" y="3002239"/>
+            <a:ext cx="4292600" cy="2031325"/>
           </a:xfrm>
           <a:prstGeom prst="rect">
             <a:avLst/>
@@ -9506,13 +9623,34 @@
           </a:bodyPr>
           <a:lstStyle/>
           <a:p>
+            <a:pPr marL="285750" indent="-285750">
+              <a:buFont typeface="Arial" panose="020B0604020202020204" pitchFamily="34" charset="0"/>
+              <a:buChar char="•"/>
+            </a:pPr>
             <a:r>
               <a:rPr lang="en-US" dirty="0"/>
-              <a:t>Housing affordability changes were not evenly distributed across Metro Nashville. Between 2020 and 2023, several ZIP codes experienced significantly larger increases in price-to-income ratios, indicating more rapid increases in affordability pressure compared to other ZIP codes.</a:t>
-            </a:r>
-          </a:p>
-          <a:p>
-            <a:endParaRPr lang="en-US" dirty="0"/>
+              <a:t>Housing affordability worsened across nearly all ZIP codes</a:t>
+            </a:r>
+          </a:p>
+          <a:p>
+            <a:pPr marL="285750" indent="-285750">
+              <a:buFont typeface="Arial" panose="020B0604020202020204" pitchFamily="34" charset="0"/>
+              <a:buChar char="•"/>
+            </a:pPr>
+            <a:r>
+              <a:rPr lang="en-US" dirty="0"/>
+              <a:t>Changes were uneven, with significant neighborhood-level variation</a:t>
+            </a:r>
+          </a:p>
+          <a:p>
+            <a:pPr marL="285750" indent="-285750">
+              <a:buFont typeface="Arial" panose="020B0604020202020204" pitchFamily="34" charset="0"/>
+              <a:buChar char="•"/>
+            </a:pPr>
+            <a:r>
+              <a:rPr lang="en-US" dirty="0"/>
+              <a:t>Two ZIP codes experienced modest improvement due to stronger income growth</a:t>
+            </a:r>
           </a:p>
         </p:txBody>
       </p:sp>
@@ -9554,10 +9692,10 @@
       </p:sp>
       <p:pic>
         <p:nvPicPr>
-          <p:cNvPr id="9" name="Picture 8" descr="A graph of blue rectangular bars&#10;&#10;AI-generated content may be incorrect.">
+          <p:cNvPr id="10" name="Picture 9">
             <a:extLst>
               <a:ext uri="{FF2B5EF4-FFF2-40B4-BE49-F238E27FC236}">
-                <a16:creationId xmlns:a16="http://schemas.microsoft.com/office/drawing/2014/main" id="{8A92313F-2E06-5EDA-827C-5B06A85D5645}"/>
+                <a16:creationId xmlns:a16="http://schemas.microsoft.com/office/drawing/2014/main" id="{A692C29B-25EE-7B86-E930-B1F4C2FEA138}"/>
               </a:ext>
             </a:extLst>
           </p:cNvPr>
@@ -9580,8 +9718,8 @@
         </p:blipFill>
         <p:spPr>
           <a:xfrm>
-            <a:off x="669036" y="2055813"/>
-            <a:ext cx="6330400" cy="4147364"/>
+            <a:off x="786126" y="1976392"/>
+            <a:ext cx="5303140" cy="4360019"/>
           </a:xfrm>
           <a:prstGeom prst="rect">
             <a:avLst/>
@@ -16752,9 +16890,9 @@
             <a:avLst/>
           </a:prstGeom>
           <a:solidFill>
-            <a:srgbClr val="F2F2F2"/>
+            <a:schemeClr val="bg1"/>
           </a:solidFill>
-          <a:ln>
+          <a:ln w="28575">
             <a:solidFill>
               <a:schemeClr val="bg2">
                 <a:lumMod val="25000"/>
@@ -16815,9 +16953,9 @@
             <a:avLst/>
           </a:prstGeom>
           <a:solidFill>
-            <a:srgbClr val="F2F2F2"/>
+            <a:schemeClr val="bg1"/>
           </a:solidFill>
-          <a:ln>
+          <a:ln w="28575">
             <a:solidFill>
               <a:schemeClr val="bg2">
                 <a:lumMod val="25000"/>
@@ -16878,9 +17016,9 @@
             <a:avLst/>
           </a:prstGeom>
           <a:solidFill>
-            <a:srgbClr val="F2F2F2"/>
+            <a:schemeClr val="bg1"/>
           </a:solidFill>
-          <a:ln>
+          <a:ln w="28575">
             <a:solidFill>
               <a:schemeClr val="bg2">
                 <a:lumMod val="25000"/>
@@ -16941,9 +17079,9 @@
             <a:avLst/>
           </a:prstGeom>
           <a:solidFill>
-            <a:srgbClr val="F2F2F2"/>
+            <a:schemeClr val="bg1"/>
           </a:solidFill>
-          <a:ln>
+          <a:ln w="28575">
             <a:solidFill>
               <a:schemeClr val="bg2">
                 <a:lumMod val="25000"/>
@@ -17004,9 +17142,9 @@
             <a:avLst/>
           </a:prstGeom>
           <a:solidFill>
-            <a:srgbClr val="F2F2F2"/>
+            <a:schemeClr val="bg1"/>
           </a:solidFill>
-          <a:ln>
+          <a:ln w="28575">
             <a:solidFill>
               <a:schemeClr val="bg2">
                 <a:lumMod val="25000"/>
@@ -17067,9 +17205,9 @@
             <a:avLst/>
           </a:prstGeom>
           <a:solidFill>
-            <a:srgbClr val="F2F2F2"/>
+            <a:schemeClr val="bg1"/>
           </a:solidFill>
-          <a:ln>
+          <a:ln w="28575">
             <a:solidFill>
               <a:schemeClr val="bg2">
                 <a:lumMod val="25000"/>
@@ -17130,9 +17268,9 @@
             <a:avLst/>
           </a:prstGeom>
           <a:solidFill>
-            <a:srgbClr val="F2F2F2"/>
+            <a:schemeClr val="bg1"/>
           </a:solidFill>
-          <a:ln>
+          <a:ln w="28575">
             <a:solidFill>
               <a:schemeClr val="bg2">
                 <a:lumMod val="25000"/>
@@ -17193,9 +17331,9 @@
             <a:avLst/>
           </a:prstGeom>
           <a:solidFill>
-            <a:srgbClr val="F2F2F2"/>
+            <a:schemeClr val="bg1"/>
           </a:solidFill>
-          <a:ln>
+          <a:ln w="28575">
             <a:solidFill>
               <a:schemeClr val="bg2">
                 <a:lumMod val="25000"/>
@@ -17544,7 +17682,9 @@
           <a:prstGeom prst="rect">
             <a:avLst/>
           </a:prstGeom>
-          <a:noFill/>
+          <a:solidFill>
+            <a:schemeClr val="bg1"/>
+          </a:solidFill>
         </p:spPr>
         <p:txBody>
           <a:bodyPr wrap="square" rtlCol="0">
@@ -18600,10 +18740,10 @@
       </p:sp>
       <p:pic>
         <p:nvPicPr>
-          <p:cNvPr id="9" name="Picture 8" descr="A graph of a line&#10;&#10;AI-generated content may be incorrect.">
+          <p:cNvPr id="4" name="Picture 3">
             <a:extLst>
               <a:ext uri="{FF2B5EF4-FFF2-40B4-BE49-F238E27FC236}">
-                <a16:creationId xmlns:a16="http://schemas.microsoft.com/office/drawing/2014/main" id="{6FF178BC-FBD3-AB90-954C-F71B135174E3}"/>
+                <a16:creationId xmlns:a16="http://schemas.microsoft.com/office/drawing/2014/main" id="{052B4196-3BE3-0CE2-9267-4AB6AD95E0C0}"/>
               </a:ext>
             </a:extLst>
           </p:cNvPr>
@@ -18626,8 +18766,8 @@
         </p:blipFill>
         <p:spPr>
           <a:xfrm>
-            <a:off x="1331976" y="2420858"/>
-            <a:ext cx="9525000" cy="3957145"/>
+            <a:off x="1295551" y="2409209"/>
+            <a:ext cx="9597849" cy="3980442"/>
           </a:xfrm>
           <a:prstGeom prst="rect">
             <a:avLst/>
@@ -19707,10 +19847,10 @@
       </p:sp>
       <p:pic>
         <p:nvPicPr>
-          <p:cNvPr id="9" name="Picture 8" descr="A graph showing the price of income&#10;&#10;AI-generated content may be incorrect.">
+          <p:cNvPr id="4" name="Picture 3">
             <a:extLst>
               <a:ext uri="{FF2B5EF4-FFF2-40B4-BE49-F238E27FC236}">
-                <a16:creationId xmlns:a16="http://schemas.microsoft.com/office/drawing/2014/main" id="{5C497C67-C0A9-CB4E-1F9E-3062ED8BA593}"/>
+                <a16:creationId xmlns:a16="http://schemas.microsoft.com/office/drawing/2014/main" id="{19AD51AE-DF4F-6B5B-A05A-423474F3BDF8}"/>
               </a:ext>
             </a:extLst>
           </p:cNvPr>
@@ -19733,8 +19873,8 @@
         </p:blipFill>
         <p:spPr>
           <a:xfrm>
-            <a:off x="559246" y="2161403"/>
-            <a:ext cx="5744921" cy="3757792"/>
+            <a:off x="669036" y="2166681"/>
+            <a:ext cx="5560677" cy="3623483"/>
           </a:xfrm>
           <a:prstGeom prst="rect">
             <a:avLst/>
@@ -20663,10 +20803,10 @@
       </p:sp>
       <p:pic>
         <p:nvPicPr>
-          <p:cNvPr id="9" name="Picture 8" descr="A graph showing the average by year&#10;&#10;AI-generated content may be incorrect.">
+          <p:cNvPr id="4" name="Picture 3">
             <a:extLst>
               <a:ext uri="{FF2B5EF4-FFF2-40B4-BE49-F238E27FC236}">
-                <a16:creationId xmlns:a16="http://schemas.microsoft.com/office/drawing/2014/main" id="{447BF319-110E-8C7E-255E-0BF26EF164F3}"/>
+                <a16:creationId xmlns:a16="http://schemas.microsoft.com/office/drawing/2014/main" id="{7E3D6DB2-8495-5ABC-2FAB-2F1449DB5C6C}"/>
               </a:ext>
             </a:extLst>
           </p:cNvPr>
@@ -20689,8 +20829,8 @@
         </p:blipFill>
         <p:spPr>
           <a:xfrm>
-            <a:off x="669036" y="2055813"/>
-            <a:ext cx="6251744" cy="4070672"/>
+            <a:off x="669036" y="2127153"/>
+            <a:ext cx="6251744" cy="3867527"/>
           </a:xfrm>
           <a:prstGeom prst="rect">
             <a:avLst/>
@@ -21619,10 +21759,10 @@
       </p:sp>
       <p:pic>
         <p:nvPicPr>
-          <p:cNvPr id="9" name="Picture 8" descr="A graph showing a line going up&#10;&#10;AI-generated content may be incorrect.">
+          <p:cNvPr id="4" name="Picture 3">
             <a:extLst>
               <a:ext uri="{FF2B5EF4-FFF2-40B4-BE49-F238E27FC236}">
-                <a16:creationId xmlns:a16="http://schemas.microsoft.com/office/drawing/2014/main" id="{720FA8DA-5597-C22F-4496-52547033AAB2}"/>
+                <a16:creationId xmlns:a16="http://schemas.microsoft.com/office/drawing/2014/main" id="{F198F5E3-645C-D31C-F4C1-30BCE2265AB2}"/>
               </a:ext>
             </a:extLst>
           </p:cNvPr>
@@ -21645,8 +21785,8 @@
         </p:blipFill>
         <p:spPr>
           <a:xfrm>
-            <a:off x="669036" y="2076709"/>
-            <a:ext cx="6481704" cy="4101422"/>
+            <a:off x="669036" y="2072950"/>
+            <a:ext cx="6094229" cy="3887792"/>
           </a:xfrm>
           <a:prstGeom prst="rect">
             <a:avLst/>

--- a/Nashville Housing Presentation.pptx
+++ b/Nashville Housing Presentation.pptx
@@ -132,7 +132,7 @@
 <file path=ppt/revisionInfo.xml><?xml version="1.0" encoding="utf-8"?>
 <p1510:revInfo xmlns:a="http://schemas.openxmlformats.org/drawingml/2006/main" xmlns:r="http://schemas.openxmlformats.org/officeDocument/2006/relationships" xmlns:p1510="http://schemas.microsoft.com/office/powerpoint/2015/10/main">
   <p1510:revLst>
-    <p1510:client id="{4C0D10D6-1D88-4B0E-87C1-EF36A8B2A437}" v="240" dt="2026-01-05T17:31:51.231"/>
+    <p1510:client id="{4C0D10D6-1D88-4B0E-87C1-EF36A8B2A437}" v="243" dt="2026-01-06T20:06:04.014"/>
   </p1510:revLst>
 </p1510:revInfo>
 </file>
@@ -142,12 +142,12 @@
   <pc:docChgLst>
     <pc:chgData name="Luke Gaffney" userId="6fa697cc8cd57f76" providerId="LiveId" clId="{528BD4CA-A453-43AA-8F73-3E975C3B2CFE}"/>
     <pc:docChg chg="undo custSel addSld delSld modSld">
-      <pc:chgData name="Luke Gaffney" userId="6fa697cc8cd57f76" providerId="LiveId" clId="{528BD4CA-A453-43AA-8F73-3E975C3B2CFE}" dt="2026-01-05T19:16:18.881" v="3857" actId="20577"/>
+      <pc:chgData name="Luke Gaffney" userId="6fa697cc8cd57f76" providerId="LiveId" clId="{528BD4CA-A453-43AA-8F73-3E975C3B2CFE}" dt="2026-01-06T20:10:07.087" v="5098" actId="20577"/>
       <pc:docMkLst>
         <pc:docMk/>
       </pc:docMkLst>
       <pc:sldChg chg="modSp mod setBg modNotesTx">
-        <pc:chgData name="Luke Gaffney" userId="6fa697cc8cd57f76" providerId="LiveId" clId="{528BD4CA-A453-43AA-8F73-3E975C3B2CFE}" dt="2026-01-05T17:21:24.212" v="3625" actId="255"/>
+        <pc:chgData name="Luke Gaffney" userId="6fa697cc8cd57f76" providerId="LiveId" clId="{528BD4CA-A453-43AA-8F73-3E975C3B2CFE}" dt="2026-01-06T19:48:34.033" v="4662" actId="20577"/>
         <pc:sldMkLst>
           <pc:docMk/>
           <pc:sldMk cId="101415907" sldId="256"/>
@@ -185,7 +185,7 @@
         </pc:spChg>
       </pc:sldChg>
       <pc:sldChg chg="addSp delSp modSp mod setBg modNotesTx">
-        <pc:chgData name="Luke Gaffney" userId="6fa697cc8cd57f76" providerId="LiveId" clId="{528BD4CA-A453-43AA-8F73-3E975C3B2CFE}" dt="2026-01-05T17:16:19.145" v="3533" actId="20577"/>
+        <pc:chgData name="Luke Gaffney" userId="6fa697cc8cd57f76" providerId="LiveId" clId="{528BD4CA-A453-43AA-8F73-3E975C3B2CFE}" dt="2026-01-06T19:48:09.014" v="4634" actId="313"/>
         <pc:sldMkLst>
           <pc:docMk/>
           <pc:sldMk cId="542633763" sldId="277"/>
@@ -352,7 +352,7 @@
         </pc:spChg>
       </pc:sldChg>
       <pc:sldChg chg="addSp delSp modSp mod setBg modNotesTx">
-        <pc:chgData name="Luke Gaffney" userId="6fa697cc8cd57f76" providerId="LiveId" clId="{528BD4CA-A453-43AA-8F73-3E975C3B2CFE}" dt="2026-01-05T17:21:36.546" v="3628" actId="113"/>
+        <pc:chgData name="Luke Gaffney" userId="6fa697cc8cd57f76" providerId="LiveId" clId="{528BD4CA-A453-43AA-8F73-3E975C3B2CFE}" dt="2026-01-06T19:46:42.398" v="4512" actId="313"/>
         <pc:sldMkLst>
           <pc:docMk/>
           <pc:sldMk cId="835599444" sldId="278"/>
@@ -375,7 +375,7 @@
         </pc:spChg>
       </pc:sldChg>
       <pc:sldChg chg="addSp delSp modSp mod setBg modNotesTx">
-        <pc:chgData name="Luke Gaffney" userId="6fa697cc8cd57f76" providerId="LiveId" clId="{528BD4CA-A453-43AA-8F73-3E975C3B2CFE}" dt="2026-01-05T17:21:50.031" v="3629" actId="113"/>
+        <pc:chgData name="Luke Gaffney" userId="6fa697cc8cd57f76" providerId="LiveId" clId="{528BD4CA-A453-43AA-8F73-3E975C3B2CFE}" dt="2026-01-06T19:54:06.831" v="4792" actId="20577"/>
         <pc:sldMkLst>
           <pc:docMk/>
           <pc:sldMk cId="1987554360" sldId="280"/>
@@ -422,7 +422,7 @@
         </pc:picChg>
       </pc:sldChg>
       <pc:sldChg chg="addSp delSp modSp mod setBg modNotesTx">
-        <pc:chgData name="Luke Gaffney" userId="6fa697cc8cd57f76" providerId="LiveId" clId="{528BD4CA-A453-43AA-8F73-3E975C3B2CFE}" dt="2026-01-05T17:22:04.733" v="3641" actId="20577"/>
+        <pc:chgData name="Luke Gaffney" userId="6fa697cc8cd57f76" providerId="LiveId" clId="{528BD4CA-A453-43AA-8F73-3E975C3B2CFE}" dt="2026-01-06T19:59:50.787" v="4855" actId="33524"/>
         <pc:sldMkLst>
           <pc:docMk/>
           <pc:sldMk cId="2767592310" sldId="282"/>
@@ -501,7 +501,7 @@
         </pc:cxnChg>
       </pc:sldChg>
       <pc:sldChg chg="addSp delSp modSp mod setBg modNotesTx">
-        <pc:chgData name="Luke Gaffney" userId="6fa697cc8cd57f76" providerId="LiveId" clId="{528BD4CA-A453-43AA-8F73-3E975C3B2CFE}" dt="2026-01-05T17:25:00.401" v="3651" actId="20577"/>
+        <pc:chgData name="Luke Gaffney" userId="6fa697cc8cd57f76" providerId="LiveId" clId="{528BD4CA-A453-43AA-8F73-3E975C3B2CFE}" dt="2026-01-06T20:02:57.871" v="4935" actId="20577"/>
         <pc:sldMkLst>
           <pc:docMk/>
           <pc:sldMk cId="2267194495" sldId="283"/>
@@ -548,7 +548,7 @@
         </pc:picChg>
       </pc:sldChg>
       <pc:sldChg chg="addSp delSp modSp mod setBg modNotesTx">
-        <pc:chgData name="Luke Gaffney" userId="6fa697cc8cd57f76" providerId="LiveId" clId="{528BD4CA-A453-43AA-8F73-3E975C3B2CFE}" dt="2026-01-05T17:25:23.517" v="3656" actId="20577"/>
+        <pc:chgData name="Luke Gaffney" userId="6fa697cc8cd57f76" providerId="LiveId" clId="{528BD4CA-A453-43AA-8F73-3E975C3B2CFE}" dt="2026-01-06T20:06:07.700" v="4979" actId="113"/>
         <pc:sldMkLst>
           <pc:docMk/>
           <pc:sldMk cId="3664452497" sldId="284"/>
@@ -562,7 +562,7 @@
           </ac:spMkLst>
         </pc:spChg>
         <pc:spChg chg="add mod">
-          <ac:chgData name="Luke Gaffney" userId="6fa697cc8cd57f76" providerId="LiveId" clId="{528BD4CA-A453-43AA-8F73-3E975C3B2CFE}" dt="2025-12-22T13:36:41.885" v="1977"/>
+          <ac:chgData name="Luke Gaffney" userId="6fa697cc8cd57f76" providerId="LiveId" clId="{528BD4CA-A453-43AA-8F73-3E975C3B2CFE}" dt="2026-01-06T20:04:09.635" v="4939" actId="20577"/>
           <ac:spMkLst>
             <pc:docMk/>
             <pc:sldMk cId="3664452497" sldId="284"/>
@@ -618,7 +618,7 @@
         </pc:spChg>
       </pc:sldChg>
       <pc:sldChg chg="addSp modSp mod setBg modNotesTx">
-        <pc:chgData name="Luke Gaffney" userId="6fa697cc8cd57f76" providerId="LiveId" clId="{528BD4CA-A453-43AA-8F73-3E975C3B2CFE}" dt="2026-01-05T17:32:34.741" v="3855" actId="113"/>
+        <pc:chgData name="Luke Gaffney" userId="6fa697cc8cd57f76" providerId="LiveId" clId="{528BD4CA-A453-43AA-8F73-3E975C3B2CFE}" dt="2026-01-06T14:49:53.968" v="4214" actId="20577"/>
         <pc:sldMkLst>
           <pc:docMk/>
           <pc:sldMk cId="3314449408" sldId="286"/>
@@ -664,7 +664,7 @@
         </pc:spChg>
       </pc:sldChg>
       <pc:sldChg chg="addSp delSp modSp mod setBg modNotesTx">
-        <pc:chgData name="Luke Gaffney" userId="6fa697cc8cd57f76" providerId="LiveId" clId="{528BD4CA-A453-43AA-8F73-3E975C3B2CFE}" dt="2026-01-05T19:16:18.881" v="3857" actId="20577"/>
+        <pc:chgData name="Luke Gaffney" userId="6fa697cc8cd57f76" providerId="LiveId" clId="{528BD4CA-A453-43AA-8F73-3E975C3B2CFE}" dt="2026-01-06T20:10:07.087" v="5098" actId="20577"/>
         <pc:sldMkLst>
           <pc:docMk/>
           <pc:sldMk cId="3684625901" sldId="288"/>
@@ -727,7 +727,7 @@
         </pc:picChg>
       </pc:sldChg>
       <pc:sldChg chg="addSp delSp modSp add mod setBg modNotesTx">
-        <pc:chgData name="Luke Gaffney" userId="6fa697cc8cd57f76" providerId="LiveId" clId="{528BD4CA-A453-43AA-8F73-3E975C3B2CFE}" dt="2026-01-05T17:29:04.484" v="3703" actId="20577"/>
+        <pc:chgData name="Luke Gaffney" userId="6fa697cc8cd57f76" providerId="LiveId" clId="{528BD4CA-A453-43AA-8F73-3E975C3B2CFE}" dt="2026-01-06T20:09:15.803" v="5076" actId="20577"/>
         <pc:sldMkLst>
           <pc:docMk/>
           <pc:sldMk cId="1769301805" sldId="290"/>
@@ -797,7 +797,7 @@
         </pc:spChg>
       </pc:sldChg>
       <pc:sldChg chg="modSp add mod setBg modNotesTx">
-        <pc:chgData name="Luke Gaffney" userId="6fa697cc8cd57f76" providerId="LiveId" clId="{528BD4CA-A453-43AA-8F73-3E975C3B2CFE}" dt="2026-01-05T17:21:32.593" v="3627" actId="113"/>
+        <pc:chgData name="Luke Gaffney" userId="6fa697cc8cd57f76" providerId="LiveId" clId="{528BD4CA-A453-43AA-8F73-3E975C3B2CFE}" dt="2026-01-06T19:40:19.247" v="4380" actId="20577"/>
         <pc:sldMkLst>
           <pc:docMk/>
           <pc:sldMk cId="3315056854" sldId="293"/>
@@ -1262,7 +1262,7 @@
             </a:pPr>
             <a:r>
               <a:rPr lang="en-US" sz="1600" b="1" dirty="0"/>
-              <a:t>Hi my name is Luke Gaffney</a:t>
+              <a:t>Hi my name is Luke Gaffney and I’m a part of DDA17 with the Nashville Software School</a:t>
             </a:r>
           </a:p>
           <a:p>
@@ -1279,7 +1279,7 @@
             </a:pPr>
             <a:r>
               <a:rPr lang="en-US" sz="1600" b="1" dirty="0"/>
-              <a:t>This project examines how housing affordability changed in Metro Nashville between 2020 and 2023.</a:t>
+              <a:t>My capstone project examines how housing affordability changed in Metro Nashville from 2020 through 2023 for single-family homes.</a:t>
             </a:r>
           </a:p>
           <a:p>
@@ -1296,7 +1296,7 @@
             </a:pPr>
             <a:r>
               <a:rPr lang="en-US" sz="1600" b="1" dirty="0"/>
-              <a:t>The reason that I was interested in completing my capstone on this topic is that I have bough and sold a house in metro Nashville during this time frame and experienced firsthand how affordability changed.</a:t>
+              <a:t>The reason that I was interested in completing my capstone on this topic is that I have personally bought and sold a house in metro Nashville during this time frame and experienced firsthand how the affordability changed.</a:t>
             </a:r>
           </a:p>
           <a:p>
@@ -1394,7 +1394,7 @@
             </a:pPr>
             <a:r>
               <a:rPr lang="en-US" b="1" dirty="0"/>
-              <a:t>This slide shows the share of median household income needed to comfortably afford monthly mortgage payments.</a:t>
+              <a:t>This visual shows the share of a median household's income needed to comfortably afford a monthly mortgage payment.</a:t>
             </a:r>
           </a:p>
           <a:p>
@@ -1441,7 +1441,7 @@
             </a:pPr>
             <a:r>
               <a:rPr lang="en-US" b="1" dirty="0"/>
-              <a:t>This chart estimates the share of median household income required for monthly mortgage payments on a median-priced home. Monthly mortgage payments are calculated using median home prices and mortgage rates, then expressed as a percentage of median household income. </a:t>
+              <a:t>This chart estimates the share of median household income needed to comfortable afford monthly mortgage payments for a median-priced home. The monthly mortgage payments were calculated using median home prices and mortgage rates, then expressed as a percentage of median household income. </a:t>
             </a:r>
           </a:p>
           <a:p>
@@ -1471,28 +1471,8 @@
             </a:pPr>
             <a:r>
               <a:rPr lang="en-US" b="1" dirty="0"/>
-              <a:t>By 2023, housing costs exceeded this threshold for median-income households. Reducing affordability for many median-income households under standard housing cost thresholds.</a:t>
-            </a:r>
-          </a:p>
-          <a:p>
-            <a:pPr marL="171450" marR="0" lvl="0" indent="-171450" algn="l" defTabSz="914400" rtl="0" eaLnBrk="1" fontAlgn="auto" latinLnBrk="0" hangingPunct="1">
-              <a:lnSpc>
-                <a:spcPct val="100000"/>
-              </a:lnSpc>
-              <a:spcBef>
-                <a:spcPts val="0"/>
-              </a:spcBef>
-              <a:spcAft>
-                <a:spcPts val="0"/>
-              </a:spcAft>
-              <a:buClrTx/>
-              <a:buSzTx/>
-              <a:buFont typeface="Arial" panose="020B0604020202020204" pitchFamily="34" charset="0"/>
-              <a:buChar char="•"/>
-              <a:tabLst/>
-              <a:defRPr/>
-            </a:pPr>
-            <a:endParaRPr lang="en-US" b="1" dirty="0"/>
+              <a:t>By 2023, housing costs exceeded the 30% threshold. Reducing affordability for many median-income households</a:t>
+            </a:r>
           </a:p>
           <a:p>
             <a:pPr marL="171450" marR="0" lvl="0" indent="-171450" algn="l" defTabSz="914400" rtl="0" eaLnBrk="1" fontAlgn="auto" latinLnBrk="0" hangingPunct="1">
@@ -1622,7 +1602,7 @@
             </a:pPr>
             <a:r>
               <a:rPr lang="en-US" b="1" dirty="0"/>
-              <a:t>Affordability changes were not evenly distributed across Metro Nashville. </a:t>
+              <a:t>Affordability changes were not evenly distributed across the Metro. </a:t>
             </a:r>
           </a:p>
           <a:p>
@@ -1639,8 +1619,13 @@
             </a:pPr>
             <a:r>
               <a:rPr lang="en-US" b="1" dirty="0"/>
-              <a:t>This map shows that affordability pressures were widespread across Metro Nashville. While nearly all ZIP codes saw worsening affordability, only two experienced improvements. In those areas, income growth outpaced home price increases, leading to a decline in price-to-income ratios.</a:t>
-            </a:r>
+              <a:t>This map shows that affordability pressures were widespread across Nashville. While nearly all ZIP codes saw worsening affordability, only two experienced improvements. In those areas, income growth outpaced home price increases, leading to a decline </a:t>
+            </a:r>
+            <a:r>
+              <a:rPr lang="en-US" b="1"/>
+              <a:t>in the price-to-income ratio.</a:t>
+            </a:r>
+            <a:endParaRPr lang="en-US" b="1" dirty="0"/>
           </a:p>
           <a:p>
             <a:pPr marL="171450" indent="-171450">
@@ -1691,6 +1676,23 @@
             <a:r>
               <a:rPr lang="en-US" b="1" dirty="0"/>
               <a:t>This highlights the importance of examining affordability at a local level rather than relying only on metro-wide averages.</a:t>
+            </a:r>
+          </a:p>
+          <a:p>
+            <a:pPr marL="171450" indent="-171450">
+              <a:buFont typeface="Arial" panose="020B0604020202020204" pitchFamily="34" charset="0"/>
+              <a:buChar char="•"/>
+            </a:pPr>
+            <a:endParaRPr lang="en-US" b="1" dirty="0"/>
+          </a:p>
+          <a:p>
+            <a:pPr marL="171450" indent="-171450">
+              <a:buFont typeface="Arial" panose="020B0604020202020204" pitchFamily="34" charset="0"/>
+              <a:buChar char="•"/>
+            </a:pPr>
+            <a:r>
+              <a:rPr lang="en-US" b="1" dirty="0"/>
+              <a:t>Highest increase 37015. Decrease 37143 and 37028</a:t>
             </a:r>
           </a:p>
           <a:p>
@@ -1956,7 +1958,7 @@
             </a:pPr>
             <a:r>
               <a:rPr lang="en-US" b="1" dirty="0"/>
-              <a:t>There are several limitations to this analysis.</a:t>
+              <a:t>There was several limitations to this analysis.</a:t>
             </a:r>
           </a:p>
           <a:p>
@@ -1973,7 +1975,7 @@
             </a:pPr>
             <a:r>
               <a:rPr lang="en-US" b="1" dirty="0"/>
-              <a:t>ZIP code boundaries and definitions vary across data sources.</a:t>
+              <a:t>Mainly ZIP code boundaries pertaining to what zip codes are considered Metro Nashville vary across data sources.</a:t>
             </a:r>
           </a:p>
           <a:p>
@@ -1990,7 +1992,7 @@
             </a:pPr>
             <a:r>
               <a:rPr lang="en-US" b="1" dirty="0"/>
-              <a:t>Future work could examine longer time horizons </a:t>
+              <a:t>Future work could examine a longer time frame to see how these numbers have changed over a larger data span</a:t>
             </a:r>
           </a:p>
           <a:p>
@@ -2007,7 +2009,7 @@
             </a:pPr>
             <a:r>
               <a:rPr lang="en-US" b="1" dirty="0"/>
-              <a:t>Additional factors like rents or demographic changes could also be explored.</a:t>
+              <a:t>Additionally looking at factors like rent prices or demographic changes could also be interesting to explored to see what role they play to affordability.</a:t>
             </a:r>
           </a:p>
           <a:p>
@@ -2640,7 +2642,7 @@
             </a:pPr>
             <a:r>
               <a:rPr lang="en-US" b="1" dirty="0"/>
-              <a:t>First, I examined how median home prices changed relative to household income.</a:t>
+              <a:t>First, I examined how the median home price changed relative to household income.</a:t>
             </a:r>
           </a:p>
           <a:p>
@@ -2657,7 +2659,7 @@
             </a:pPr>
             <a:r>
               <a:rPr lang="en-US" b="1" dirty="0"/>
-              <a:t>Second, I looked at housing market activity, including inventory indicators and home sales volume.</a:t>
+              <a:t>Second, I looked at housing market activity, including inventory levels and home sales volume.</a:t>
             </a:r>
           </a:p>
           <a:p>
@@ -2851,7 +2853,7 @@
             </a:pPr>
             <a:r>
               <a:rPr lang="en-US" b="1" dirty="0"/>
-              <a:t>This analysis focuses on Metro Nashville from 2020 through 2023.</a:t>
+              <a:t>This data focuses on Metro Nashville from 2020 through 2023.</a:t>
             </a:r>
           </a:p>
           <a:p>
@@ -2885,7 +2887,7 @@
             </a:pPr>
             <a:r>
               <a:rPr lang="en-US" b="1" dirty="0"/>
-              <a:t>Parcel sales data provided transaction prices for single-family homes.</a:t>
+              <a:t>Parcel sales data from the Nashville Data Portal provided transaction prices for single-family homes.</a:t>
             </a:r>
           </a:p>
           <a:p>
@@ -2902,7 +2904,7 @@
             </a:pPr>
             <a:r>
               <a:rPr lang="en-US" b="1" dirty="0"/>
-              <a:t>Redfin data provided housing market indicators like inventory and homes sold.</a:t>
+              <a:t>Redfin Data Center  data provided housing market indicators like inventory and homes sold.</a:t>
             </a:r>
           </a:p>
           <a:p>
@@ -2919,7 +2921,7 @@
             </a:pPr>
             <a:r>
               <a:rPr lang="en-US" b="1" dirty="0"/>
-              <a:t>Census ACS data provided median household income at the ZIP code level.</a:t>
+              <a:t>The US Census ACS data using their API provided median household income at the ZIP code level.</a:t>
             </a:r>
           </a:p>
           <a:p>
@@ -2936,7 +2938,7 @@
             </a:pPr>
             <a:r>
               <a:rPr lang="en-US" b="1" dirty="0"/>
-              <a:t>Mortgage rate data came from FRED and reflect national 30-year fixed rates.</a:t>
+              <a:t>Mortgage rate data came from the Federal Reserve Economic Data and reflect national 30-year fixed rates.</a:t>
             </a:r>
           </a:p>
           <a:p>
@@ -3029,8 +3031,8 @@
               <a:buChar char="•"/>
             </a:pPr>
             <a:r>
-              <a:rPr lang="en-US" dirty="0"/>
-              <a:t>This provides a high-level comparison for Metro Nashville between 2020 and 2023.</a:t>
+              <a:rPr lang="en-US" b="1" dirty="0"/>
+              <a:t>First, I would like to show a high-level comparison for Nashville comparing the 2020 to the year 2023.</a:t>
             </a:r>
           </a:p>
           <a:p>
@@ -3038,7 +3040,7 @@
               <a:buFont typeface="Arial" panose="020B0604020202020204" pitchFamily="34" charset="0"/>
               <a:buChar char="•"/>
             </a:pPr>
-            <a:endParaRPr lang="en-US" dirty="0"/>
+            <a:endParaRPr lang="en-US" b="1" dirty="0"/>
           </a:p>
           <a:p>
             <a:pPr marL="171450" indent="-171450">
@@ -3046,8 +3048,8 @@
               <a:buChar char="•"/>
             </a:pPr>
             <a:r>
-              <a:rPr lang="en-US" dirty="0"/>
-              <a:t>Median home prices increased from $320,000 to over $437,000.</a:t>
+              <a:rPr lang="en-US" b="1" dirty="0"/>
+              <a:t>Median home prices during this time increased from $320,000 to over $437,000.</a:t>
             </a:r>
           </a:p>
           <a:p>
@@ -3055,7 +3057,7 @@
               <a:buFont typeface="Arial" panose="020B0604020202020204" pitchFamily="34" charset="0"/>
               <a:buChar char="•"/>
             </a:pPr>
-            <a:endParaRPr lang="en-US" dirty="0"/>
+            <a:endParaRPr lang="en-US" b="1" dirty="0"/>
           </a:p>
           <a:p>
             <a:pPr marL="171450" indent="-171450">
@@ -3063,8 +3065,8 @@
               <a:buChar char="•"/>
             </a:pPr>
             <a:r>
-              <a:rPr lang="en-US" dirty="0"/>
-              <a:t>Median household income increased as well, but at a slower pace.</a:t>
+              <a:rPr lang="en-US" b="1" dirty="0"/>
+              <a:t>Median household income increased as well, but at a slower pace when compared to home prices.</a:t>
             </a:r>
           </a:p>
           <a:p>
@@ -3072,7 +3074,7 @@
               <a:buFont typeface="Arial" panose="020B0604020202020204" pitchFamily="34" charset="0"/>
               <a:buChar char="•"/>
             </a:pPr>
-            <a:endParaRPr lang="en-US" dirty="0"/>
+            <a:endParaRPr lang="en-US" b="1" dirty="0"/>
           </a:p>
           <a:p>
             <a:pPr marL="171450" indent="-171450">
@@ -3080,7 +3082,7 @@
               <a:buChar char="•"/>
             </a:pPr>
             <a:r>
-              <a:rPr lang="en-US" dirty="0"/>
+              <a:rPr lang="en-US" b="1" dirty="0"/>
               <a:t>At the same time, total single-family home sales declined significantly.</a:t>
             </a:r>
           </a:p>
@@ -3089,7 +3091,7 @@
               <a:buFont typeface="Arial" panose="020B0604020202020204" pitchFamily="34" charset="0"/>
               <a:buChar char="•"/>
             </a:pPr>
-            <a:endParaRPr lang="en-US" dirty="0"/>
+            <a:endParaRPr lang="en-US" b="1" dirty="0"/>
           </a:p>
           <a:p>
             <a:pPr marL="171450" indent="-171450">
@@ -3097,7 +3099,7 @@
               <a:buChar char="•"/>
             </a:pPr>
             <a:r>
-              <a:rPr lang="en-US" dirty="0"/>
+              <a:rPr lang="en-US" b="1" dirty="0"/>
               <a:t>Mortgage rates more than doubled, increasing borrowing costs and reducing affordability.</a:t>
             </a:r>
           </a:p>
@@ -3192,7 +3194,7 @@
             </a:pPr>
             <a:r>
               <a:rPr lang="en-US" b="1" dirty="0"/>
-              <a:t>This compares trends in median home prices and median household income.</a:t>
+              <a:t>This visual compares trends in the median home price and median household income  over the span of this analysis.</a:t>
             </a:r>
           </a:p>
           <a:p>
@@ -3209,7 +3211,7 @@
             </a:pPr>
             <a:r>
               <a:rPr lang="en-US" b="1" dirty="0"/>
-              <a:t>Home prices increased substantially faster than incomes over this period.</a:t>
+              <a:t>Home prices increased substantially faster than incomes.</a:t>
             </a:r>
           </a:p>
           <a:p>
@@ -3331,13 +3333,26 @@
           <a:bodyPr/>
           <a:lstStyle/>
           <a:p>
-            <a:pPr marL="171450" lvl="0" indent="-171450">
+            <a:pPr marL="171450" marR="0" lvl="0" indent="-171450" algn="l" defTabSz="914400" rtl="0" eaLnBrk="1" fontAlgn="auto" latinLnBrk="0" hangingPunct="1">
+              <a:lnSpc>
+                <a:spcPct val="100000"/>
+              </a:lnSpc>
+              <a:spcBef>
+                <a:spcPts val="0"/>
+              </a:spcBef>
+              <a:spcAft>
+                <a:spcPts val="0"/>
+              </a:spcAft>
+              <a:buClrTx/>
+              <a:buSzTx/>
               <a:buFont typeface="Arial" panose="020B0604020202020204" pitchFamily="34" charset="0"/>
               <a:buChar char="•"/>
+              <a:tabLst/>
+              <a:defRPr/>
             </a:pPr>
             <a:r>
               <a:rPr lang="en-US" b="1" dirty="0"/>
-              <a:t>The price-to-income ratio measures housing affordability by comparing the cost of a median home to the income of a median household and helps summarizes the relationship between home prices and income</a:t>
+              <a:t>The price-to-income ratio which is widely used by the US department of Housing and Urban Development or HUD, measures housing affordability by comparing the cost of a median home to the income of a median household and helps summarizes the relationship between home prices and income</a:t>
             </a:r>
           </a:p>
           <a:p>
@@ -3348,64 +3363,43 @@
             <a:endParaRPr lang="en-US" b="1" dirty="0"/>
           </a:p>
           <a:p>
-            <a:pPr marL="171450" lvl="0" indent="-171450">
+            <a:pPr marL="171450" marR="0" lvl="0" indent="-171450" algn="l" defTabSz="914400" rtl="0" eaLnBrk="1" fontAlgn="auto" latinLnBrk="0" hangingPunct="1">
+              <a:lnSpc>
+                <a:spcPct val="100000"/>
+              </a:lnSpc>
+              <a:spcBef>
+                <a:spcPts val="0"/>
+              </a:spcBef>
+              <a:spcAft>
+                <a:spcPts val="0"/>
+              </a:spcAft>
+              <a:buClrTx/>
+              <a:buSzTx/>
               <a:buFont typeface="Arial" panose="020B0604020202020204" pitchFamily="34" charset="0"/>
               <a:buChar char="•"/>
+              <a:tabLst/>
+              <a:defRPr/>
             </a:pPr>
             <a:r>
               <a:rPr lang="en-US" b="1" dirty="0"/>
-              <a:t>The formula for this is (Median Home Sale Price/Median Household Income=Price-to-Income Ratio)</a:t>
-            </a:r>
-          </a:p>
-          <a:p>
-            <a:pPr marL="0" lvl="0" indent="0">
+              <a:t>The formula for this is (Median Home Sale Price/Median Household Income=Price-to-Income Ratio), where a higher ratio indicates reduced affordability.</a:t>
+            </a:r>
+          </a:p>
+          <a:p>
+            <a:pPr marL="0" indent="0">
               <a:buFont typeface="Arial" panose="020B0604020202020204" pitchFamily="34" charset="0"/>
               <a:buNone/>
             </a:pPr>
             <a:endParaRPr lang="en-US" b="1" dirty="0"/>
           </a:p>
           <a:p>
-            <a:pPr marL="171450" lvl="0" indent="-171450">
-              <a:buFont typeface="Arial" panose="020B0604020202020204" pitchFamily="34" charset="0"/>
-              <a:buChar char="•"/>
-            </a:pPr>
-            <a:r>
-              <a:rPr lang="en-US" b="1" dirty="0"/>
-              <a:t>This is widely used by the US department of Housing and Urban Development or HUD</a:t>
-            </a:r>
-          </a:p>
-          <a:p>
             <a:pPr marL="171450" indent="-171450">
               <a:buFont typeface="Arial" panose="020B0604020202020204" pitchFamily="34" charset="0"/>
               <a:buChar char="•"/>
             </a:pPr>
-            <a:endParaRPr lang="en-US" b="1" dirty="0"/>
-          </a:p>
-          <a:p>
-            <a:pPr marL="171450" indent="-171450">
-              <a:buFont typeface="Arial" panose="020B0604020202020204" pitchFamily="34" charset="0"/>
-              <a:buChar char="•"/>
-            </a:pPr>
             <a:r>
               <a:rPr lang="en-US" b="1" dirty="0"/>
-              <a:t>A higher ratio indicates reduced affordability.</a:t>
-            </a:r>
-          </a:p>
-          <a:p>
-            <a:pPr marL="171450" indent="-171450">
-              <a:buFont typeface="Arial" panose="020B0604020202020204" pitchFamily="34" charset="0"/>
-              <a:buChar char="•"/>
-            </a:pPr>
-            <a:endParaRPr lang="en-US" b="1" dirty="0"/>
-          </a:p>
-          <a:p>
-            <a:pPr marL="171450" indent="-171450">
-              <a:buFont typeface="Arial" panose="020B0604020202020204" pitchFamily="34" charset="0"/>
-              <a:buChar char="•"/>
-            </a:pPr>
-            <a:r>
-              <a:rPr lang="en-US" b="1" dirty="0"/>
-              <a:t>Between 2020 and 2022, the ratio increased as prices outpaced income growth.</a:t>
+              <a:t>Between 2020 and 2022, the ratio increased due to home prices outpacing income growth.</a:t>
             </a:r>
           </a:p>
           <a:p>
@@ -3536,7 +3530,7 @@
             </a:pPr>
             <a:r>
               <a:rPr lang="en-US" b="1" dirty="0"/>
-              <a:t>This slide shows changes in market conditions.</a:t>
+              <a:t>When looking at the housing supply this visual shows changes in market conditions.</a:t>
             </a:r>
           </a:p>
           <a:p>
@@ -3579,7 +3573,7 @@
             </a:pPr>
             <a:r>
               <a:rPr lang="en-US" b="1" dirty="0"/>
-              <a:t>During this period, Metro Nashville experienced continued population growth, while housing inventory remained constrained. This imbalance between demand and available housing helps explain why prices continued to rise despite fluctuations in sales volume. </a:t>
+              <a:t>During this period, Nashville experienced continued population growth, while housing inventory remained constrained. This imbalance between demand and available housing can help explain why prices continued to rise despite fluctuations in sales volume. </a:t>
             </a:r>
           </a:p>
           <a:p>
@@ -3596,7 +3590,7 @@
             </a:pPr>
             <a:r>
               <a:rPr lang="en-US" b="1" dirty="0"/>
-              <a:t>Average inventory reflects the typical number of homes available for sale at any point during the year. Rather than using a single month, I averaged monthly inventory values to capture overall supply conditions</a:t>
+              <a:t>The average inventory reflects the typical number of homes available for sale at any point during the year. Rather than using a single month, I averaged monthly inventory values to capture overall supply conditions</a:t>
             </a:r>
           </a:p>
           <a:p>
@@ -3744,7 +3738,7 @@
             </a:pPr>
             <a:r>
               <a:rPr lang="en-US" b="1" dirty="0"/>
-              <a:t>Mortgage interest rates remained historically low in 2020 and 2021. Beginning in 2022, rates increased rapidly.</a:t>
+              <a:t>Interest rates remained historically low in 2020 and 2021. But beginning in 2022, rates increased rapidly.</a:t>
             </a:r>
           </a:p>
           <a:p>
@@ -3778,11 +3772,8 @@
             </a:pPr>
             <a:r>
               <a:rPr lang="en-US" b="1" dirty="0"/>
-              <a:t>Higher borrowing costs compounded affordability challenges created by rising home prices.</a:t>
-            </a:r>
-          </a:p>
-          <a:p>
-            <a:endParaRPr lang="en-US" dirty="0"/>
+              <a:t>Rising home prices, combined with higher borrowing costs, intensified affordability challenges.</a:t>
+            </a:r>
           </a:p>
         </p:txBody>
       </p:sp>
@@ -21716,7 +21707,7 @@
           <a:p>
             <a:r>
               <a:rPr lang="en-US" dirty="0"/>
-              <a:t>Mortgage interest rates remained historically low in 2020–2021, but rose sharply beginning in 2022, increasing monthly mortgage payments and the cost of financing a home purchase.</a:t>
+              <a:t>Interest rates remained historically low in 2020–2021, but rose sharply beginning in 2022, increasing monthly mortgage payments and the cost of financing a home purchase.</a:t>
             </a:r>
           </a:p>
         </p:txBody>

--- a/Nashville Housing Presentation.pptx
+++ b/Nashville Housing Presentation.pptx
@@ -141,8 +141,8 @@
 <pc:chgInfo xmlns:a="http://schemas.openxmlformats.org/drawingml/2006/main" xmlns:r="http://schemas.openxmlformats.org/officeDocument/2006/relationships" xmlns:ac="http://schemas.microsoft.com/office/drawing/2013/main/command" xmlns:pc="http://schemas.microsoft.com/office/powerpoint/2013/main/command">
   <pc:docChgLst>
     <pc:chgData name="Luke Gaffney" userId="6fa697cc8cd57f76" providerId="LiveId" clId="{528BD4CA-A453-43AA-8F73-3E975C3B2CFE}"/>
-    <pc:docChg chg="undo custSel addSld delSld modSld">
-      <pc:chgData name="Luke Gaffney" userId="6fa697cc8cd57f76" providerId="LiveId" clId="{528BD4CA-A453-43AA-8F73-3E975C3B2CFE}" dt="2026-01-06T20:10:07.087" v="5098" actId="20577"/>
+    <pc:docChg chg="undo custSel addSld delSld modSld sldOrd">
+      <pc:chgData name="Luke Gaffney" userId="6fa697cc8cd57f76" providerId="LiveId" clId="{528BD4CA-A453-43AA-8F73-3E975C3B2CFE}" dt="2026-01-07T14:23:55.997" v="5159" actId="255"/>
       <pc:docMkLst>
         <pc:docMk/>
       </pc:docMkLst>
@@ -162,7 +162,7 @@
         </pc:spChg>
       </pc:sldChg>
       <pc:sldChg chg="modSp add del mod modNotesTx">
-        <pc:chgData name="Luke Gaffney" userId="6fa697cc8cd57f76" providerId="LiveId" clId="{528BD4CA-A453-43AA-8F73-3E975C3B2CFE}" dt="2026-01-05T17:21:29.098" v="3626" actId="113"/>
+        <pc:chgData name="Luke Gaffney" userId="6fa697cc8cd57f76" providerId="LiveId" clId="{528BD4CA-A453-43AA-8F73-3E975C3B2CFE}" dt="2026-01-07T02:45:25.367" v="5100" actId="20577"/>
         <pc:sldMkLst>
           <pc:docMk/>
           <pc:sldMk cId="3484887589" sldId="257"/>
@@ -185,13 +185,13 @@
         </pc:spChg>
       </pc:sldChg>
       <pc:sldChg chg="addSp delSp modSp mod setBg modNotesTx">
-        <pc:chgData name="Luke Gaffney" userId="6fa697cc8cd57f76" providerId="LiveId" clId="{528BD4CA-A453-43AA-8F73-3E975C3B2CFE}" dt="2026-01-06T19:48:09.014" v="4634" actId="313"/>
+        <pc:chgData name="Luke Gaffney" userId="6fa697cc8cd57f76" providerId="LiveId" clId="{528BD4CA-A453-43AA-8F73-3E975C3B2CFE}" dt="2026-01-07T02:50:30.712" v="5103" actId="120"/>
         <pc:sldMkLst>
           <pc:docMk/>
           <pc:sldMk cId="542633763" sldId="277"/>
         </pc:sldMkLst>
         <pc:spChg chg="mod">
-          <ac:chgData name="Luke Gaffney" userId="6fa697cc8cd57f76" providerId="LiveId" clId="{528BD4CA-A453-43AA-8F73-3E975C3B2CFE}" dt="2025-12-18T20:12:38.193" v="974" actId="113"/>
+          <ac:chgData name="Luke Gaffney" userId="6fa697cc8cd57f76" providerId="LiveId" clId="{528BD4CA-A453-43AA-8F73-3E975C3B2CFE}" dt="2026-01-07T02:50:30.712" v="5103" actId="120"/>
           <ac:spMkLst>
             <pc:docMk/>
             <pc:sldMk cId="542633763" sldId="277"/>
@@ -375,13 +375,13 @@
         </pc:spChg>
       </pc:sldChg>
       <pc:sldChg chg="addSp delSp modSp mod setBg modNotesTx">
-        <pc:chgData name="Luke Gaffney" userId="6fa697cc8cd57f76" providerId="LiveId" clId="{528BD4CA-A453-43AA-8F73-3E975C3B2CFE}" dt="2026-01-06T19:54:06.831" v="4792" actId="20577"/>
+        <pc:chgData name="Luke Gaffney" userId="6fa697cc8cd57f76" providerId="LiveId" clId="{528BD4CA-A453-43AA-8F73-3E975C3B2CFE}" dt="2026-01-07T02:51:39.549" v="5132" actId="20577"/>
         <pc:sldMkLst>
           <pc:docMk/>
           <pc:sldMk cId="1987554360" sldId="280"/>
         </pc:sldMkLst>
         <pc:spChg chg="mod">
-          <ac:chgData name="Luke Gaffney" userId="6fa697cc8cd57f76" providerId="LiveId" clId="{528BD4CA-A453-43AA-8F73-3E975C3B2CFE}" dt="2025-12-18T20:11:57.458" v="968" actId="255"/>
+          <ac:chgData name="Luke Gaffney" userId="6fa697cc8cd57f76" providerId="LiveId" clId="{528BD4CA-A453-43AA-8F73-3E975C3B2CFE}" dt="2026-01-07T02:50:54.443" v="5104" actId="20577"/>
           <ac:spMkLst>
             <pc:docMk/>
             <pc:sldMk cId="1987554360" sldId="280"/>
@@ -412,23 +412,15 @@
             <ac:picMk id="4" creationId="{052B4196-3BE3-0CE2-9267-4AB6AD95E0C0}"/>
           </ac:picMkLst>
         </pc:picChg>
-        <pc:picChg chg="add del mod">
-          <ac:chgData name="Luke Gaffney" userId="6fa697cc8cd57f76" providerId="LiveId" clId="{528BD4CA-A453-43AA-8F73-3E975C3B2CFE}" dt="2026-01-05T15:28:46.279" v="3191" actId="478"/>
-          <ac:picMkLst>
-            <pc:docMk/>
-            <pc:sldMk cId="1987554360" sldId="280"/>
-            <ac:picMk id="9" creationId="{6FF178BC-FBD3-AB90-954C-F71B135174E3}"/>
-          </ac:picMkLst>
-        </pc:picChg>
       </pc:sldChg>
       <pc:sldChg chg="addSp delSp modSp mod setBg modNotesTx">
-        <pc:chgData name="Luke Gaffney" userId="6fa697cc8cd57f76" providerId="LiveId" clId="{528BD4CA-A453-43AA-8F73-3E975C3B2CFE}" dt="2026-01-06T19:59:50.787" v="4855" actId="33524"/>
+        <pc:chgData name="Luke Gaffney" userId="6fa697cc8cd57f76" providerId="LiveId" clId="{528BD4CA-A453-43AA-8F73-3E975C3B2CFE}" dt="2026-01-07T14:23:34.233" v="5157" actId="20577"/>
         <pc:sldMkLst>
           <pc:docMk/>
           <pc:sldMk cId="2767592310" sldId="282"/>
         </pc:sldMkLst>
         <pc:spChg chg="mod">
-          <ac:chgData name="Luke Gaffney" userId="6fa697cc8cd57f76" providerId="LiveId" clId="{528BD4CA-A453-43AA-8F73-3E975C3B2CFE}" dt="2025-12-18T19:31:11.300" v="682" actId="255"/>
+          <ac:chgData name="Luke Gaffney" userId="6fa697cc8cd57f76" providerId="LiveId" clId="{528BD4CA-A453-43AA-8F73-3E975C3B2CFE}" dt="2026-01-07T14:23:34.233" v="5157" actId="20577"/>
           <ac:spMkLst>
             <pc:docMk/>
             <pc:sldMk cId="2767592310" sldId="282"/>
@@ -483,14 +475,6 @@
             <ac:picMk id="4" creationId="{19AD51AE-DF4F-6B5B-A05A-423474F3BDF8}"/>
           </ac:picMkLst>
         </pc:picChg>
-        <pc:picChg chg="add del mod">
-          <ac:chgData name="Luke Gaffney" userId="6fa697cc8cd57f76" providerId="LiveId" clId="{528BD4CA-A453-43AA-8F73-3E975C3B2CFE}" dt="2026-01-05T15:34:23.913" v="3205" actId="478"/>
-          <ac:picMkLst>
-            <pc:docMk/>
-            <pc:sldMk cId="2767592310" sldId="282"/>
-            <ac:picMk id="9" creationId="{5C497C67-C0A9-CB4E-1F9E-3062ED8BA593}"/>
-          </ac:picMkLst>
-        </pc:picChg>
         <pc:cxnChg chg="add mod">
           <ac:chgData name="Luke Gaffney" userId="6fa697cc8cd57f76" providerId="LiveId" clId="{528BD4CA-A453-43AA-8F73-3E975C3B2CFE}" dt="2025-12-18T20:29:12.594" v="1114" actId="1076"/>
           <ac:cxnSpMkLst>
@@ -538,23 +522,15 @@
             <ac:picMk id="4" creationId="{7E3D6DB2-8495-5ABC-2FAB-2F1449DB5C6C}"/>
           </ac:picMkLst>
         </pc:picChg>
-        <pc:picChg chg="add del mod">
-          <ac:chgData name="Luke Gaffney" userId="6fa697cc8cd57f76" providerId="LiveId" clId="{528BD4CA-A453-43AA-8F73-3E975C3B2CFE}" dt="2026-01-05T15:34:30.753" v="3207" actId="478"/>
-          <ac:picMkLst>
-            <pc:docMk/>
-            <pc:sldMk cId="2267194495" sldId="283"/>
-            <ac:picMk id="9" creationId="{447BF319-110E-8C7E-255E-0BF26EF164F3}"/>
-          </ac:picMkLst>
-        </pc:picChg>
       </pc:sldChg>
       <pc:sldChg chg="addSp delSp modSp mod setBg modNotesTx">
-        <pc:chgData name="Luke Gaffney" userId="6fa697cc8cd57f76" providerId="LiveId" clId="{528BD4CA-A453-43AA-8F73-3E975C3B2CFE}" dt="2026-01-06T20:06:07.700" v="4979" actId="113"/>
+        <pc:chgData name="Luke Gaffney" userId="6fa697cc8cd57f76" providerId="LiveId" clId="{528BD4CA-A453-43AA-8F73-3E975C3B2CFE}" dt="2026-01-07T14:23:48.297" v="5158" actId="255"/>
         <pc:sldMkLst>
           <pc:docMk/>
           <pc:sldMk cId="3664452497" sldId="284"/>
         </pc:sldMkLst>
         <pc:spChg chg="mod">
-          <ac:chgData name="Luke Gaffney" userId="6fa697cc8cd57f76" providerId="LiveId" clId="{528BD4CA-A453-43AA-8F73-3E975C3B2CFE}" dt="2025-12-23T16:26:52.788" v="2164" actId="255"/>
+          <ac:chgData name="Luke Gaffney" userId="6fa697cc8cd57f76" providerId="LiveId" clId="{528BD4CA-A453-43AA-8F73-3E975C3B2CFE}" dt="2026-01-07T14:23:48.297" v="5158" actId="255"/>
           <ac:spMkLst>
             <pc:docMk/>
             <pc:sldMk cId="3664452497" sldId="284"/>
@@ -585,17 +561,9 @@
             <ac:picMk id="4" creationId="{F198F5E3-645C-D31C-F4C1-30BCE2265AB2}"/>
           </ac:picMkLst>
         </pc:picChg>
-        <pc:picChg chg="add del mod">
-          <ac:chgData name="Luke Gaffney" userId="6fa697cc8cd57f76" providerId="LiveId" clId="{528BD4CA-A453-43AA-8F73-3E975C3B2CFE}" dt="2026-01-05T15:34:36.273" v="3209" actId="478"/>
-          <ac:picMkLst>
-            <pc:docMk/>
-            <pc:sldMk cId="3664452497" sldId="284"/>
-            <ac:picMk id="9" creationId="{720FA8DA-5597-C22F-4496-52547033AAB2}"/>
-          </ac:picMkLst>
-        </pc:picChg>
       </pc:sldChg>
       <pc:sldChg chg="addSp modSp mod setBg modNotesTx">
-        <pc:chgData name="Luke Gaffney" userId="6fa697cc8cd57f76" providerId="LiveId" clId="{528BD4CA-A453-43AA-8F73-3E975C3B2CFE}" dt="2026-01-05T17:32:38.415" v="3856" actId="113"/>
+        <pc:chgData name="Luke Gaffney" userId="6fa697cc8cd57f76" providerId="LiveId" clId="{528BD4CA-A453-43AA-8F73-3E975C3B2CFE}" dt="2026-01-07T02:59:31.137" v="5151" actId="20577"/>
         <pc:sldMkLst>
           <pc:docMk/>
           <pc:sldMk cId="3434264560" sldId="285"/>
@@ -609,7 +577,7 @@
           </ac:spMkLst>
         </pc:spChg>
         <pc:spChg chg="add mod">
-          <ac:chgData name="Luke Gaffney" userId="6fa697cc8cd57f76" providerId="LiveId" clId="{528BD4CA-A453-43AA-8F73-3E975C3B2CFE}" dt="2025-12-23T19:27:10.170" v="2352" actId="20577"/>
+          <ac:chgData name="Luke Gaffney" userId="6fa697cc8cd57f76" providerId="LiveId" clId="{528BD4CA-A453-43AA-8F73-3E975C3B2CFE}" dt="2026-01-07T02:59:31.137" v="5151" actId="20577"/>
           <ac:spMkLst>
             <pc:docMk/>
             <pc:sldMk cId="3434264560" sldId="285"/>
@@ -640,8 +608,8 @@
           </ac:spMkLst>
         </pc:spChg>
       </pc:sldChg>
-      <pc:sldChg chg="addSp delSp modSp mod setBg modNotesTx">
-        <pc:chgData name="Luke Gaffney" userId="6fa697cc8cd57f76" providerId="LiveId" clId="{528BD4CA-A453-43AA-8F73-3E975C3B2CFE}" dt="2026-01-05T17:32:23.229" v="3851" actId="113"/>
+      <pc:sldChg chg="addSp delSp modSp mod ord setBg modNotesTx">
+        <pc:chgData name="Luke Gaffney" userId="6fa697cc8cd57f76" providerId="LiveId" clId="{528BD4CA-A453-43AA-8F73-3E975C3B2CFE}" dt="2026-01-07T03:01:50.920" v="5153"/>
         <pc:sldMkLst>
           <pc:docMk/>
           <pc:sldMk cId="2071100020" sldId="287"/>
@@ -693,30 +661,6 @@
             <ac:spMk id="7" creationId="{AAB38F1D-65AE-4A13-42AF-46651D5EDEFA}"/>
           </ac:spMkLst>
         </pc:spChg>
-        <pc:picChg chg="add del mod">
-          <ac:chgData name="Luke Gaffney" userId="6fa697cc8cd57f76" providerId="LiveId" clId="{528BD4CA-A453-43AA-8F73-3E975C3B2CFE}" dt="2026-01-05T16:24:16.701" v="3287" actId="478"/>
-          <ac:picMkLst>
-            <pc:docMk/>
-            <pc:sldMk cId="3684625901" sldId="288"/>
-            <ac:picMk id="4" creationId="{DEA8426B-6AFD-DAC6-3A98-20174E492F13}"/>
-          </ac:picMkLst>
-        </pc:picChg>
-        <pc:picChg chg="add del mod">
-          <ac:chgData name="Luke Gaffney" userId="6fa697cc8cd57f76" providerId="LiveId" clId="{528BD4CA-A453-43AA-8F73-3E975C3B2CFE}" dt="2026-01-05T16:31:01.524" v="3296" actId="478"/>
-          <ac:picMkLst>
-            <pc:docMk/>
-            <pc:sldMk cId="3684625901" sldId="288"/>
-            <ac:picMk id="6" creationId="{2A7CCC6D-FDAA-EC9E-4C9F-79697854186A}"/>
-          </ac:picMkLst>
-        </pc:picChg>
-        <pc:picChg chg="add del mod">
-          <ac:chgData name="Luke Gaffney" userId="6fa697cc8cd57f76" providerId="LiveId" clId="{528BD4CA-A453-43AA-8F73-3E975C3B2CFE}" dt="2026-01-05T15:34:50.479" v="3213" actId="478"/>
-          <ac:picMkLst>
-            <pc:docMk/>
-            <pc:sldMk cId="3684625901" sldId="288"/>
-            <ac:picMk id="9" creationId="{8A92313F-2E06-5EDA-827C-5B06A85D5645}"/>
-          </ac:picMkLst>
-        </pc:picChg>
         <pc:picChg chg="add mod">
           <ac:chgData name="Luke Gaffney" userId="6fa697cc8cd57f76" providerId="LiveId" clId="{528BD4CA-A453-43AA-8F73-3E975C3B2CFE}" dt="2026-01-05T16:35:04.922" v="3317" actId="14100"/>
           <ac:picMkLst>
@@ -727,13 +671,13 @@
         </pc:picChg>
       </pc:sldChg>
       <pc:sldChg chg="addSp delSp modSp add mod setBg modNotesTx">
-        <pc:chgData name="Luke Gaffney" userId="6fa697cc8cd57f76" providerId="LiveId" clId="{528BD4CA-A453-43AA-8F73-3E975C3B2CFE}" dt="2026-01-06T20:09:15.803" v="5076" actId="20577"/>
+        <pc:chgData name="Luke Gaffney" userId="6fa697cc8cd57f76" providerId="LiveId" clId="{528BD4CA-A453-43AA-8F73-3E975C3B2CFE}" dt="2026-01-07T14:23:55.997" v="5159" actId="255"/>
         <pc:sldMkLst>
           <pc:docMk/>
           <pc:sldMk cId="1769301805" sldId="290"/>
         </pc:sldMkLst>
         <pc:spChg chg="mod">
-          <ac:chgData name="Luke Gaffney" userId="6fa697cc8cd57f76" providerId="LiveId" clId="{528BD4CA-A453-43AA-8F73-3E975C3B2CFE}" dt="2025-12-18T21:00:19.571" v="1152" actId="255"/>
+          <ac:chgData name="Luke Gaffney" userId="6fa697cc8cd57f76" providerId="LiveId" clId="{528BD4CA-A453-43AA-8F73-3E975C3B2CFE}" dt="2026-01-07T14:23:55.997" v="5159" actId="255"/>
           <ac:spMkLst>
             <pc:docMk/>
             <pc:sldMk cId="1769301805" sldId="290"/>
@@ -762,14 +706,6 @@
             <pc:docMk/>
             <pc:sldMk cId="1769301805" sldId="290"/>
             <ac:picMk id="5" creationId="{0910D6F0-3995-51D4-955A-BD9C74CF6157}"/>
-          </ac:picMkLst>
-        </pc:picChg>
-        <pc:picChg chg="add del mod">
-          <ac:chgData name="Luke Gaffney" userId="6fa697cc8cd57f76" providerId="LiveId" clId="{528BD4CA-A453-43AA-8F73-3E975C3B2CFE}" dt="2026-01-05T15:34:43.279" v="3211" actId="478"/>
-          <ac:picMkLst>
-            <pc:docMk/>
-            <pc:sldMk cId="1769301805" sldId="290"/>
-            <ac:picMk id="9" creationId="{8F6C37E4-8365-E571-734E-2F260AAEE8F6}"/>
           </ac:picMkLst>
         </pc:picChg>
       </pc:sldChg>
@@ -818,45 +754,6 @@
             <ac:spMk id="61" creationId="{A581FB95-F069-BC84-88AE-577884E5A698}"/>
           </ac:spMkLst>
         </pc:spChg>
-      </pc:sldChg>
-      <pc:sldChg chg="addSp delSp modSp add del mod">
-        <pc:chgData name="Luke Gaffney" userId="6fa697cc8cd57f76" providerId="LiveId" clId="{528BD4CA-A453-43AA-8F73-3E975C3B2CFE}" dt="2026-01-05T16:24:50.167" v="3295" actId="2696"/>
-        <pc:sldMkLst>
-          <pc:docMk/>
-          <pc:sldMk cId="1125741396" sldId="294"/>
-        </pc:sldMkLst>
-        <pc:spChg chg="mod">
-          <ac:chgData name="Luke Gaffney" userId="6fa697cc8cd57f76" providerId="LiveId" clId="{528BD4CA-A453-43AA-8F73-3E975C3B2CFE}" dt="2026-01-05T16:22:05.995" v="3274" actId="20577"/>
-          <ac:spMkLst>
-            <pc:docMk/>
-            <pc:sldMk cId="1125741396" sldId="294"/>
-            <ac:spMk id="2" creationId="{5EF42DC5-22B3-67F1-F686-B84FB501277F}"/>
-          </ac:spMkLst>
-        </pc:spChg>
-        <pc:spChg chg="del mod">
-          <ac:chgData name="Luke Gaffney" userId="6fa697cc8cd57f76" providerId="LiveId" clId="{528BD4CA-A453-43AA-8F73-3E975C3B2CFE}" dt="2026-01-05T16:22:03.873" v="3273" actId="21"/>
-          <ac:spMkLst>
-            <pc:docMk/>
-            <pc:sldMk cId="1125741396" sldId="294"/>
-            <ac:spMk id="5" creationId="{003D3572-A82F-777C-C5EE-DC63744E954F}"/>
-          </ac:spMkLst>
-        </pc:spChg>
-        <pc:picChg chg="del">
-          <ac:chgData name="Luke Gaffney" userId="6fa697cc8cd57f76" providerId="LiveId" clId="{528BD4CA-A453-43AA-8F73-3E975C3B2CFE}" dt="2026-01-05T16:22:00.142" v="3271" actId="478"/>
-          <ac:picMkLst>
-            <pc:docMk/>
-            <pc:sldMk cId="1125741396" sldId="294"/>
-            <ac:picMk id="4" creationId="{20D72F70-201E-F549-DEFA-8C5B13E00D1E}"/>
-          </ac:picMkLst>
-        </pc:picChg>
-        <pc:picChg chg="add mod">
-          <ac:chgData name="Luke Gaffney" userId="6fa697cc8cd57f76" providerId="LiveId" clId="{528BD4CA-A453-43AA-8F73-3E975C3B2CFE}" dt="2026-01-05T16:23:27.918" v="3284" actId="1076"/>
-          <ac:picMkLst>
-            <pc:docMk/>
-            <pc:sldMk cId="1125741396" sldId="294"/>
-            <ac:picMk id="6" creationId="{2877D71D-B134-56A0-F982-1CE0405B407D}"/>
-          </ac:picMkLst>
-        </pc:picChg>
       </pc:sldChg>
     </pc:docChg>
   </pc:docChgLst>
@@ -945,7 +842,7 @@
           <a:p>
             <a:fld id="{79DC4030-9B2D-4C56-AA99-33874DEDBB43}" type="datetimeFigureOut">
               <a:rPr lang="en-US" smtClean="0"/>
-              <a:t>1/5/2026</a:t>
+              <a:t>1/6/2026</a:t>
             </a:fld>
             <a:endParaRPr lang="en-US"/>
           </a:p>
@@ -1619,13 +1516,8 @@
             </a:pPr>
             <a:r>
               <a:rPr lang="en-US" b="1" dirty="0"/>
-              <a:t>This map shows that affordability pressures were widespread across Nashville. While nearly all ZIP codes saw worsening affordability, only two experienced improvements. In those areas, income growth outpaced home price increases, leading to a decline </a:t>
-            </a:r>
-            <a:r>
-              <a:rPr lang="en-US" b="1"/>
-              <a:t>in the price-to-income ratio.</a:t>
-            </a:r>
-            <a:endParaRPr lang="en-US" b="1" dirty="0"/>
+              <a:t>This map shows that affordability pressures were widespread across Nashville. While nearly all ZIP codes saw worsening affordability, only two experienced improvements. In those areas, income growth outpaced home price increases, leading to a decline in the price-to-income ratio.</a:t>
+            </a:r>
           </a:p>
           <a:p>
             <a:pPr marL="171450" indent="-171450">
@@ -3194,7 +3086,7 @@
             </a:pPr>
             <a:r>
               <a:rPr lang="en-US" b="1" dirty="0"/>
-              <a:t>This visual compares trends in the median home price and median household income  over the span of this analysis.</a:t>
+              <a:t>This visual compares trends in the median home price and median household income over the span of this analysis.</a:t>
             </a:r>
           </a:p>
           <a:p>
@@ -3211,7 +3103,7 @@
             </a:pPr>
             <a:r>
               <a:rPr lang="en-US" b="1" dirty="0"/>
-              <a:t>Home prices increased substantially faster than incomes.</a:t>
+              <a:t>Home prices increased substantially faster and more significantly than incomes.</a:t>
             </a:r>
           </a:p>
           <a:p>
@@ -3960,7 +3852,7 @@
           <a:p>
             <a:fld id="{13FBD760-3C71-467A-88B1-1440ED683542}" type="datetimeFigureOut">
               <a:rPr lang="en-US" smtClean="0"/>
-              <a:t>1/5/2026</a:t>
+              <a:t>1/6/2026</a:t>
             </a:fld>
             <a:endParaRPr lang="en-US"/>
           </a:p>
@@ -4158,7 +4050,7 @@
           <a:p>
             <a:fld id="{13FBD760-3C71-467A-88B1-1440ED683542}" type="datetimeFigureOut">
               <a:rPr lang="en-US" smtClean="0"/>
-              <a:t>1/5/2026</a:t>
+              <a:t>1/6/2026</a:t>
             </a:fld>
             <a:endParaRPr lang="en-US"/>
           </a:p>
@@ -4366,7 +4258,7 @@
           <a:p>
             <a:fld id="{13FBD760-3C71-467A-88B1-1440ED683542}" type="datetimeFigureOut">
               <a:rPr lang="en-US" smtClean="0"/>
-              <a:t>1/5/2026</a:t>
+              <a:t>1/6/2026</a:t>
             </a:fld>
             <a:endParaRPr lang="en-US"/>
           </a:p>
@@ -4564,7 +4456,7 @@
           <a:p>
             <a:fld id="{13FBD760-3C71-467A-88B1-1440ED683542}" type="datetimeFigureOut">
               <a:rPr lang="en-US" smtClean="0"/>
-              <a:t>1/5/2026</a:t>
+              <a:t>1/6/2026</a:t>
             </a:fld>
             <a:endParaRPr lang="en-US"/>
           </a:p>
@@ -4839,7 +4731,7 @@
           <a:p>
             <a:fld id="{13FBD760-3C71-467A-88B1-1440ED683542}" type="datetimeFigureOut">
               <a:rPr lang="en-US" smtClean="0"/>
-              <a:t>1/5/2026</a:t>
+              <a:t>1/6/2026</a:t>
             </a:fld>
             <a:endParaRPr lang="en-US"/>
           </a:p>
@@ -5104,7 +4996,7 @@
           <a:p>
             <a:fld id="{13FBD760-3C71-467A-88B1-1440ED683542}" type="datetimeFigureOut">
               <a:rPr lang="en-US" smtClean="0"/>
-              <a:t>1/5/2026</a:t>
+              <a:t>1/6/2026</a:t>
             </a:fld>
             <a:endParaRPr lang="en-US"/>
           </a:p>
@@ -5516,7 +5408,7 @@
           <a:p>
             <a:fld id="{13FBD760-3C71-467A-88B1-1440ED683542}" type="datetimeFigureOut">
               <a:rPr lang="en-US" smtClean="0"/>
-              <a:t>1/5/2026</a:t>
+              <a:t>1/6/2026</a:t>
             </a:fld>
             <a:endParaRPr lang="en-US"/>
           </a:p>
@@ -5657,7 +5549,7 @@
           <a:p>
             <a:fld id="{13FBD760-3C71-467A-88B1-1440ED683542}" type="datetimeFigureOut">
               <a:rPr lang="en-US" smtClean="0"/>
-              <a:t>1/5/2026</a:t>
+              <a:t>1/6/2026</a:t>
             </a:fld>
             <a:endParaRPr lang="en-US"/>
           </a:p>
@@ -5770,7 +5662,7 @@
           <a:p>
             <a:fld id="{13FBD760-3C71-467A-88B1-1440ED683542}" type="datetimeFigureOut">
               <a:rPr lang="en-US" smtClean="0"/>
-              <a:t>1/5/2026</a:t>
+              <a:t>1/6/2026</a:t>
             </a:fld>
             <a:endParaRPr lang="en-US"/>
           </a:p>
@@ -6081,7 +5973,7 @@
           <a:p>
             <a:fld id="{13FBD760-3C71-467A-88B1-1440ED683542}" type="datetimeFigureOut">
               <a:rPr lang="en-US" smtClean="0"/>
-              <a:t>1/5/2026</a:t>
+              <a:t>1/6/2026</a:t>
             </a:fld>
             <a:endParaRPr lang="en-US"/>
           </a:p>
@@ -6369,7 +6261,7 @@
           <a:p>
             <a:fld id="{13FBD760-3C71-467A-88B1-1440ED683542}" type="datetimeFigureOut">
               <a:rPr lang="en-US" smtClean="0"/>
-              <a:t>1/5/2026</a:t>
+              <a:t>1/6/2026</a:t>
             </a:fld>
             <a:endParaRPr lang="en-US"/>
           </a:p>
@@ -6610,7 +6502,7 @@
           <a:p>
             <a:fld id="{13FBD760-3C71-467A-88B1-1440ED683542}" type="datetimeFigureOut">
               <a:rPr lang="en-US" smtClean="0"/>
-              <a:t>1/5/2026</a:t>
+              <a:t>1/6/2026</a:t>
             </a:fld>
             <a:endParaRPr lang="en-US"/>
           </a:p>
@@ -7957,8 +7849,8 @@
           <a:lstStyle/>
           <a:p>
             <a:r>
-              <a:rPr lang="en-US" sz="3200" b="1" dirty="0"/>
-              <a:t>Higher Mortgage Rates Reduced Homeownership Affordability</a:t>
+              <a:rPr lang="en-US" sz="4000" b="1" dirty="0"/>
+              <a:t>Higher Mortgage Rates Reduced Affordability</a:t>
             </a:r>
           </a:p>
         </p:txBody>
@@ -12575,7 +12467,7 @@
           <a:p>
             <a:r>
               <a:rPr lang="en-US" dirty="0"/>
-              <a:t>Together, these findings highlight how multiple market forces not prices alone, shaped worsening housing affordability in Metro Nashville.</a:t>
+              <a:t>Together, these findings highlight how multiple market factors, not prices alone, shaped the  worsening housing affordability in Metro Nashville.</a:t>
             </a:r>
           </a:p>
         </p:txBody>
@@ -16187,7 +16079,7 @@
           <a:p>
             <a:r>
               <a:rPr lang="nb-NO" b="1" dirty="0"/>
-              <a:t>Metro Nashville Housing Market Snapshot</a:t>
+              <a:t>Housing Market Snapshot</a:t>
             </a:r>
             <a:endParaRPr lang="en-US" b="1" dirty="0"/>
           </a:p>
@@ -17986,7 +17878,7 @@
           <a:p>
             <a:r>
               <a:rPr lang="en-US" b="1" dirty="0"/>
-              <a:t>Sale Price vs Income in Metro Nashville</a:t>
+              <a:t>Sale Price vs Income</a:t>
             </a:r>
           </a:p>
         </p:txBody>
@@ -18942,7 +18834,7 @@
           <a:p>
             <a:r>
               <a:rPr lang="en-US" b="1" dirty="0"/>
-              <a:t>The Price-to-Income Gap in Metro Nashville</a:t>
+              <a:t>Price-to-Income Gap</a:t>
             </a:r>
           </a:p>
         </p:txBody>

--- a/Nashville Housing Presentation.pptx
+++ b/Nashville Housing Presentation.pptx
@@ -132,7 +132,7 @@
 <file path=ppt/revisionInfo.xml><?xml version="1.0" encoding="utf-8"?>
 <p1510:revInfo xmlns:a="http://schemas.openxmlformats.org/drawingml/2006/main" xmlns:r="http://schemas.openxmlformats.org/officeDocument/2006/relationships" xmlns:p1510="http://schemas.microsoft.com/office/powerpoint/2015/10/main">
   <p1510:revLst>
-    <p1510:client id="{4C0D10D6-1D88-4B0E-87C1-EF36A8B2A437}" v="243" dt="2026-01-06T20:06:04.014"/>
+    <p1510:client id="{4C0D10D6-1D88-4B0E-87C1-EF36A8B2A437}" v="245" dt="2026-01-09T15:41:12.345"/>
   </p1510:revLst>
 </p1510:revInfo>
 </file>
@@ -142,12 +142,12 @@
   <pc:docChgLst>
     <pc:chgData name="Luke Gaffney" userId="6fa697cc8cd57f76" providerId="LiveId" clId="{528BD4CA-A453-43AA-8F73-3E975C3B2CFE}"/>
     <pc:docChg chg="undo custSel addSld delSld modSld sldOrd">
-      <pc:chgData name="Luke Gaffney" userId="6fa697cc8cd57f76" providerId="LiveId" clId="{528BD4CA-A453-43AA-8F73-3E975C3B2CFE}" dt="2026-01-07T14:23:55.997" v="5159" actId="255"/>
+      <pc:chgData name="Luke Gaffney" userId="6fa697cc8cd57f76" providerId="LiveId" clId="{528BD4CA-A453-43AA-8F73-3E975C3B2CFE}" dt="2026-01-09T15:41:33.951" v="6036" actId="20577"/>
       <pc:docMkLst>
         <pc:docMk/>
       </pc:docMkLst>
       <pc:sldChg chg="modSp mod setBg modNotesTx">
-        <pc:chgData name="Luke Gaffney" userId="6fa697cc8cd57f76" providerId="LiveId" clId="{528BD4CA-A453-43AA-8F73-3E975C3B2CFE}" dt="2026-01-06T19:48:34.033" v="4662" actId="20577"/>
+        <pc:chgData name="Luke Gaffney" userId="6fa697cc8cd57f76" providerId="LiveId" clId="{528BD4CA-A453-43AA-8F73-3E975C3B2CFE}" dt="2026-01-09T13:53:08.487" v="5852" actId="20577"/>
         <pc:sldMkLst>
           <pc:docMk/>
           <pc:sldMk cId="101415907" sldId="256"/>
@@ -185,7 +185,7 @@
         </pc:spChg>
       </pc:sldChg>
       <pc:sldChg chg="addSp delSp modSp mod setBg modNotesTx">
-        <pc:chgData name="Luke Gaffney" userId="6fa697cc8cd57f76" providerId="LiveId" clId="{528BD4CA-A453-43AA-8F73-3E975C3B2CFE}" dt="2026-01-07T02:50:30.712" v="5103" actId="120"/>
+        <pc:chgData name="Luke Gaffney" userId="6fa697cc8cd57f76" providerId="LiveId" clId="{528BD4CA-A453-43AA-8F73-3E975C3B2CFE}" dt="2026-01-09T12:47:49.039" v="5259" actId="20577"/>
         <pc:sldMkLst>
           <pc:docMk/>
           <pc:sldMk cId="542633763" sldId="277"/>
@@ -352,7 +352,7 @@
         </pc:spChg>
       </pc:sldChg>
       <pc:sldChg chg="addSp delSp modSp mod setBg modNotesTx">
-        <pc:chgData name="Luke Gaffney" userId="6fa697cc8cd57f76" providerId="LiveId" clId="{528BD4CA-A453-43AA-8F73-3E975C3B2CFE}" dt="2026-01-06T19:46:42.398" v="4512" actId="313"/>
+        <pc:chgData name="Luke Gaffney" userId="6fa697cc8cd57f76" providerId="LiveId" clId="{528BD4CA-A453-43AA-8F73-3E975C3B2CFE}" dt="2026-01-09T12:45:34.414" v="5189" actId="20577"/>
         <pc:sldMkLst>
           <pc:docMk/>
           <pc:sldMk cId="835599444" sldId="278"/>
@@ -375,7 +375,7 @@
         </pc:spChg>
       </pc:sldChg>
       <pc:sldChg chg="addSp delSp modSp mod setBg modNotesTx">
-        <pc:chgData name="Luke Gaffney" userId="6fa697cc8cd57f76" providerId="LiveId" clId="{528BD4CA-A453-43AA-8F73-3E975C3B2CFE}" dt="2026-01-07T02:51:39.549" v="5132" actId="20577"/>
+        <pc:chgData name="Luke Gaffney" userId="6fa697cc8cd57f76" providerId="LiveId" clId="{528BD4CA-A453-43AA-8F73-3E975C3B2CFE}" dt="2026-01-09T12:48:36.998" v="5266" actId="20577"/>
         <pc:sldMkLst>
           <pc:docMk/>
           <pc:sldMk cId="1987554360" sldId="280"/>
@@ -414,7 +414,7 @@
         </pc:picChg>
       </pc:sldChg>
       <pc:sldChg chg="addSp delSp modSp mod setBg modNotesTx">
-        <pc:chgData name="Luke Gaffney" userId="6fa697cc8cd57f76" providerId="LiveId" clId="{528BD4CA-A453-43AA-8F73-3E975C3B2CFE}" dt="2026-01-07T14:23:34.233" v="5157" actId="20577"/>
+        <pc:chgData name="Luke Gaffney" userId="6fa697cc8cd57f76" providerId="LiveId" clId="{528BD4CA-A453-43AA-8F73-3E975C3B2CFE}" dt="2026-01-09T15:08:34.257" v="6022" actId="20577"/>
         <pc:sldMkLst>
           <pc:docMk/>
           <pc:sldMk cId="2767592310" sldId="282"/>
@@ -485,7 +485,7 @@
         </pc:cxnChg>
       </pc:sldChg>
       <pc:sldChg chg="addSp delSp modSp mod setBg modNotesTx">
-        <pc:chgData name="Luke Gaffney" userId="6fa697cc8cd57f76" providerId="LiveId" clId="{528BD4CA-A453-43AA-8F73-3E975C3B2CFE}" dt="2026-01-06T20:02:57.871" v="4935" actId="20577"/>
+        <pc:chgData name="Luke Gaffney" userId="6fa697cc8cd57f76" providerId="LiveId" clId="{528BD4CA-A453-43AA-8F73-3E975C3B2CFE}" dt="2026-01-09T12:52:33.613" v="5344" actId="20577"/>
         <pc:sldMkLst>
           <pc:docMk/>
           <pc:sldMk cId="2267194495" sldId="283"/>
@@ -563,7 +563,7 @@
         </pc:picChg>
       </pc:sldChg>
       <pc:sldChg chg="addSp modSp mod setBg modNotesTx">
-        <pc:chgData name="Luke Gaffney" userId="6fa697cc8cd57f76" providerId="LiveId" clId="{528BD4CA-A453-43AA-8F73-3E975C3B2CFE}" dt="2026-01-07T02:59:31.137" v="5151" actId="20577"/>
+        <pc:chgData name="Luke Gaffney" userId="6fa697cc8cd57f76" providerId="LiveId" clId="{528BD4CA-A453-43AA-8F73-3E975C3B2CFE}" dt="2026-01-09T13:03:50.442" v="5847" actId="20577"/>
         <pc:sldMkLst>
           <pc:docMk/>
           <pc:sldMk cId="3434264560" sldId="285"/>
@@ -586,7 +586,7 @@
         </pc:spChg>
       </pc:sldChg>
       <pc:sldChg chg="addSp modSp mod setBg modNotesTx">
-        <pc:chgData name="Luke Gaffney" userId="6fa697cc8cd57f76" providerId="LiveId" clId="{528BD4CA-A453-43AA-8F73-3E975C3B2CFE}" dt="2026-01-06T14:49:53.968" v="4214" actId="20577"/>
+        <pc:chgData name="Luke Gaffney" userId="6fa697cc8cd57f76" providerId="LiveId" clId="{528BD4CA-A453-43AA-8F73-3E975C3B2CFE}" dt="2026-01-09T15:41:33.951" v="6036" actId="20577"/>
         <pc:sldMkLst>
           <pc:docMk/>
           <pc:sldMk cId="3314449408" sldId="286"/>
@@ -600,7 +600,7 @@
           </ac:spMkLst>
         </pc:spChg>
         <pc:spChg chg="add mod">
-          <ac:chgData name="Luke Gaffney" userId="6fa697cc8cd57f76" providerId="LiveId" clId="{528BD4CA-A453-43AA-8F73-3E975C3B2CFE}" dt="2025-12-19T17:00:16.004" v="1632" actId="20577"/>
+          <ac:chgData name="Luke Gaffney" userId="6fa697cc8cd57f76" providerId="LiveId" clId="{528BD4CA-A453-43AA-8F73-3E975C3B2CFE}" dt="2026-01-09T15:41:33.951" v="6036" actId="20577"/>
           <ac:spMkLst>
             <pc:docMk/>
             <pc:sldMk cId="3314449408" sldId="286"/>
@@ -609,7 +609,7 @@
         </pc:spChg>
       </pc:sldChg>
       <pc:sldChg chg="addSp delSp modSp mod ord setBg modNotesTx">
-        <pc:chgData name="Luke Gaffney" userId="6fa697cc8cd57f76" providerId="LiveId" clId="{528BD4CA-A453-43AA-8F73-3E975C3B2CFE}" dt="2026-01-07T03:01:50.920" v="5153"/>
+        <pc:chgData name="Luke Gaffney" userId="6fa697cc8cd57f76" providerId="LiveId" clId="{528BD4CA-A453-43AA-8F73-3E975C3B2CFE}" dt="2026-01-09T12:59:20.677" v="5554" actId="20577"/>
         <pc:sldMkLst>
           <pc:docMk/>
           <pc:sldMk cId="2071100020" sldId="287"/>
@@ -632,7 +632,7 @@
         </pc:spChg>
       </pc:sldChg>
       <pc:sldChg chg="addSp delSp modSp mod setBg modNotesTx">
-        <pc:chgData name="Luke Gaffney" userId="6fa697cc8cd57f76" providerId="LiveId" clId="{528BD4CA-A453-43AA-8F73-3E975C3B2CFE}" dt="2026-01-06T20:10:07.087" v="5098" actId="20577"/>
+        <pc:chgData name="Luke Gaffney" userId="6fa697cc8cd57f76" providerId="LiveId" clId="{528BD4CA-A453-43AA-8F73-3E975C3B2CFE}" dt="2026-01-08T15:19:54.366" v="5170" actId="20577"/>
         <pc:sldMkLst>
           <pc:docMk/>
           <pc:sldMk cId="3684625901" sldId="288"/>
@@ -671,7 +671,7 @@
         </pc:picChg>
       </pc:sldChg>
       <pc:sldChg chg="addSp delSp modSp add mod setBg modNotesTx">
-        <pc:chgData name="Luke Gaffney" userId="6fa697cc8cd57f76" providerId="LiveId" clId="{528BD4CA-A453-43AA-8F73-3E975C3B2CFE}" dt="2026-01-07T14:23:55.997" v="5159" actId="255"/>
+        <pc:chgData name="Luke Gaffney" userId="6fa697cc8cd57f76" providerId="LiveId" clId="{528BD4CA-A453-43AA-8F73-3E975C3B2CFE}" dt="2026-01-09T12:56:12.183" v="5454" actId="20577"/>
         <pc:sldMkLst>
           <pc:docMk/>
           <pc:sldMk cId="1769301805" sldId="290"/>
@@ -842,7 +842,7 @@
           <a:p>
             <a:fld id="{79DC4030-9B2D-4C56-AA99-33874DEDBB43}" type="datetimeFigureOut">
               <a:rPr lang="en-US" smtClean="0"/>
-              <a:t>1/6/2026</a:t>
+              <a:t>1/8/2026</a:t>
             </a:fld>
             <a:endParaRPr lang="en-US"/>
           </a:p>
@@ -1193,7 +1193,7 @@
             </a:pPr>
             <a:r>
               <a:rPr lang="en-US" sz="1600" b="1" dirty="0"/>
-              <a:t>The reason that I was interested in completing my capstone on this topic is that I have personally bought and sold a house in metro Nashville during this time frame and experienced firsthand how the affordability changed.</a:t>
+              <a:t>The main reason that I was interested in completing my capstone on this topic is that I have personally bought and sold a house in metro Nashville during this time frame and experienced firsthand how the affordability changed.</a:t>
             </a:r>
           </a:p>
           <a:p>
@@ -1285,13 +1285,20 @@
           <a:bodyPr/>
           <a:lstStyle/>
           <a:p>
+            <a:pPr marL="0" indent="0">
+              <a:buFont typeface="Arial" panose="020B0604020202020204" pitchFamily="34" charset="0"/>
+              <a:buNone/>
+            </a:pPr>
+            <a:endParaRPr lang="en-US" b="1" dirty="0"/>
+          </a:p>
+          <a:p>
             <a:pPr marL="171450" indent="-171450">
               <a:buFont typeface="Arial" panose="020B0604020202020204" pitchFamily="34" charset="0"/>
               <a:buChar char="•"/>
             </a:pPr>
             <a:r>
               <a:rPr lang="en-US" b="1" dirty="0"/>
-              <a:t>This visual shows the share of a median household's income needed to comfortably afford a monthly mortgage payment.</a:t>
+              <a:t>This visual shows the share of a median household's income needed to comfortably afford the monthly mortgage payment on median priced homes.</a:t>
             </a:r>
           </a:p>
           <a:p>
@@ -1338,7 +1345,7 @@
             </a:pPr>
             <a:r>
               <a:rPr lang="en-US" b="1" dirty="0"/>
-              <a:t>This chart estimates the share of median household income needed to comfortable afford monthly mortgage payments for a median-priced home. The monthly mortgage payments were calculated using median home prices and mortgage rates, then expressed as a percentage of median household income. </a:t>
+              <a:t>The monthly mortgage payments were calculated using median home prices with the relevant mortgage rates, then expressed as a percentage of median household income. </a:t>
             </a:r>
           </a:p>
           <a:p>
@@ -1584,7 +1591,7 @@
             </a:pPr>
             <a:r>
               <a:rPr lang="en-US" b="1" dirty="0"/>
-              <a:t>Highest increase 37015. Decrease 37143 and 37028</a:t>
+              <a:t>Highest increase 37015. Decrease 37143 and 37208</a:t>
             </a:r>
           </a:p>
           <a:p>
@@ -1685,7 +1692,7 @@
             </a:pPr>
             <a:r>
               <a:rPr lang="en-US" b="1" dirty="0"/>
-              <a:t>Home prices increased faster than incomes, widening the affordability gap.</a:t>
+              <a:t>Some key findings were</a:t>
             </a:r>
           </a:p>
           <a:p>
@@ -1702,7 +1709,7 @@
             </a:pPr>
             <a:r>
               <a:rPr lang="en-US" b="1" dirty="0"/>
-              <a:t>Rising mortgage rates significantly increased borrowing costs.</a:t>
+              <a:t>Home prices increased substantially faster than incomes, which widening the affordability gap.</a:t>
             </a:r>
           </a:p>
           <a:p>
@@ -1719,7 +1726,7 @@
             </a:pPr>
             <a:r>
               <a:rPr lang="en-US" b="1" dirty="0"/>
-              <a:t>Housing market conditions tightened early in the period and remained challenging.</a:t>
+              <a:t>Rising mortgage rates significantly increased borrowing costs.</a:t>
             </a:r>
           </a:p>
           <a:p>
@@ -1736,7 +1743,24 @@
             </a:pPr>
             <a:r>
               <a:rPr lang="en-US" b="1" dirty="0"/>
-              <a:t>Affordability pressures were uneven across ZIP codes.</a:t>
+              <a:t>Housing market conditions tightened early in the period and remained challenged.</a:t>
+            </a:r>
+          </a:p>
+          <a:p>
+            <a:pPr marL="171450" indent="-171450">
+              <a:buFont typeface="Arial" panose="020B0604020202020204" pitchFamily="34" charset="0"/>
+              <a:buChar char="•"/>
+            </a:pPr>
+            <a:endParaRPr lang="en-US" b="1" dirty="0"/>
+          </a:p>
+          <a:p>
+            <a:pPr marL="171450" indent="-171450">
+              <a:buFont typeface="Arial" panose="020B0604020202020204" pitchFamily="34" charset="0"/>
+              <a:buChar char="•"/>
+            </a:pPr>
+            <a:r>
+              <a:rPr lang="en-US" b="1" dirty="0"/>
+              <a:t>Affordability pressures were uneven across the various ZIP codes in the Metro.</a:t>
             </a:r>
           </a:p>
           <a:p>
@@ -1884,7 +1908,7 @@
             </a:pPr>
             <a:r>
               <a:rPr lang="en-US" b="1" dirty="0"/>
-              <a:t>Future work could examine a longer time frame to see how these numbers have changed over a larger data span</a:t>
+              <a:t>Additionally, the home sales prices does not account if the same home was sold multiple times within the years spanning this analysis. </a:t>
             </a:r>
           </a:p>
           <a:p>
@@ -1901,7 +1925,24 @@
             </a:pPr>
             <a:r>
               <a:rPr lang="en-US" b="1" dirty="0"/>
-              <a:t>Additionally looking at factors like rent prices or demographic changes could also be interesting to explored to see what role they play to affordability.</a:t>
+              <a:t>Future work could be examining a longer time frame to see how these numbers have changed over a larger data span</a:t>
+            </a:r>
+          </a:p>
+          <a:p>
+            <a:pPr marL="171450" indent="-171450">
+              <a:buFont typeface="Arial" panose="020B0604020202020204" pitchFamily="34" charset="0"/>
+              <a:buChar char="•"/>
+            </a:pPr>
+            <a:endParaRPr lang="en-US" b="1" dirty="0"/>
+          </a:p>
+          <a:p>
+            <a:pPr marL="171450" indent="-171450">
+              <a:buFont typeface="Arial" panose="020B0604020202020204" pitchFamily="34" charset="0"/>
+              <a:buChar char="•"/>
+            </a:pPr>
+            <a:r>
+              <a:rPr lang="en-US" b="1" dirty="0"/>
+              <a:t>Also looking at factors like rent prices or demographic changes could also be interesting to explored to see what role they play to affordability.</a:t>
             </a:r>
           </a:p>
           <a:p>
@@ -1998,7 +2039,7 @@
             </a:pPr>
             <a:r>
               <a:rPr lang="en-US" b="1" dirty="0"/>
-              <a:t>Between 2020 and 2023, rising home prices, higher mortgage rates, and constrained market conditions significantly reduced housing affordability in Metro Nashville.</a:t>
+              <a:t>In conclusion, between 2020 and 2023, rising home prices, higher mortgage rates, and constrained market conditions significantly reduced housing affordability in Metro Nashville.</a:t>
             </a:r>
           </a:p>
           <a:p>
@@ -2015,7 +2056,7 @@
             </a:pPr>
             <a:r>
               <a:rPr lang="en-US" b="1" dirty="0"/>
-              <a:t>While incomes increased, they did not keep pace with housing costs.</a:t>
+              <a:t>While incomes did increase, they were not able to keep pace with rising housing costs and increased interest rates.</a:t>
             </a:r>
           </a:p>
           <a:p>
@@ -2032,7 +2073,7 @@
             </a:pPr>
             <a:r>
               <a:rPr lang="en-US" b="1" dirty="0"/>
-              <a:t>Affordability pressures were not evenly distributed across neighborhoods.</a:t>
+              <a:t>Affordability pressures were not evenly distributed across Nashville neighborhoods.</a:t>
             </a:r>
           </a:p>
           <a:p>
@@ -2049,7 +2090,7 @@
             </a:pPr>
             <a:r>
               <a:rPr lang="en-US" b="1" dirty="0"/>
-              <a:t>Overall, this analysis shows how multiple market forces combined to worsen housing affordability in Metro Nashville during this period.</a:t>
+              <a:t>Overall, this analysis shows how multiple market forces combined to worsen housing affordability in Nashville during this period.</a:t>
             </a:r>
           </a:p>
           <a:p>
@@ -2779,7 +2820,7 @@
             </a:pPr>
             <a:r>
               <a:rPr lang="en-US" b="1" dirty="0"/>
-              <a:t>Parcel sales data from the Nashville Data Portal provided transaction prices for single-family homes.</a:t>
+              <a:t>Parcel sales data from the Nashville Open Data Portal provided transaction prices for single-family homes.</a:t>
             </a:r>
           </a:p>
           <a:p>
@@ -2796,7 +2837,7 @@
             </a:pPr>
             <a:r>
               <a:rPr lang="en-US" b="1" dirty="0"/>
-              <a:t>Redfin Data Center  data provided housing market indicators like inventory and homes sold.</a:t>
+              <a:t>Redfin Data Center data provided housing market indicators like inventory and number of homes sold.</a:t>
             </a:r>
           </a:p>
           <a:p>
@@ -2830,7 +2871,7 @@
             </a:pPr>
             <a:r>
               <a:rPr lang="en-US" b="1" dirty="0"/>
-              <a:t>Mortgage rate data came from the Federal Reserve Economic Data and reflect national 30-year fixed rates.</a:t>
+              <a:t>Mortgage rate data came from the Federal Reserve Economic Data and reflects national 30-year fixed rates.</a:t>
             </a:r>
           </a:p>
           <a:p>
@@ -2924,7 +2965,7 @@
             </a:pPr>
             <a:r>
               <a:rPr lang="en-US" b="1" dirty="0"/>
-              <a:t>First, I would like to show a high-level comparison for Nashville comparing the 2020 to the year 2023.</a:t>
+              <a:t>First, I would like to show a high-level comparison of the Nashville housing market comparing 2020 with 2023.</a:t>
             </a:r>
           </a:p>
           <a:p>
@@ -2975,7 +3016,7 @@
             </a:pPr>
             <a:r>
               <a:rPr lang="en-US" b="1" dirty="0"/>
-              <a:t>At the same time, total single-family home sales declined significantly.</a:t>
+              <a:t>At the same time, the number of single-family home sales declined significantly.</a:t>
             </a:r>
           </a:p>
           <a:p>
@@ -3086,7 +3127,7 @@
             </a:pPr>
             <a:r>
               <a:rPr lang="en-US" b="1" dirty="0"/>
-              <a:t>This visual compares trends in the median home price and median household income over the span of this analysis.</a:t>
+              <a:t>This chart compares trends in the median home price and median household income over the years of this analysis.</a:t>
             </a:r>
           </a:p>
           <a:p>
@@ -3244,7 +3285,7 @@
             </a:pPr>
             <a:r>
               <a:rPr lang="en-US" b="1" dirty="0"/>
-              <a:t>The price-to-income ratio which is widely used by the US department of Housing and Urban Development or HUD, measures housing affordability by comparing the cost of a median home to the income of a median household and helps summarizes the relationship between home prices and income</a:t>
+              <a:t>Next, I wanted to examine the price-to-income ratio which is widely used by the US department of Housing and Urban Development or HUD, which measures housing affordability by comparing the cost of a median home to the income of a median household and helps summarizes the relationship between home prices and income</a:t>
             </a:r>
           </a:p>
           <a:p>
@@ -3274,7 +3315,7 @@
             </a:pPr>
             <a:r>
               <a:rPr lang="en-US" b="1" dirty="0"/>
-              <a:t>The formula for this is (Median Home Sale Price/Median Household Income=Price-to-Income Ratio), where a higher ratio indicates reduced affordability.</a:t>
+              <a:t>The formula for this is (Median Home Sale Price/Median Household Income=Price-to-Income Ratio), where a higher ratio indicates reduced affordability as .</a:t>
             </a:r>
           </a:p>
           <a:p>
@@ -3317,6 +3358,16 @@
               <a:buChar char="•"/>
             </a:pPr>
             <a:endParaRPr lang="en-US" b="1" dirty="0"/>
+          </a:p>
+          <a:p>
+            <a:pPr marL="285750" lvl="0" indent="-285750">
+              <a:buFont typeface="Arial" panose="020B0604020202020204" pitchFamily="34" charset="0"/>
+              <a:buChar char="•"/>
+            </a:pPr>
+            <a:r>
+              <a:rPr lang="en-US" b="1" dirty="0"/>
+              <a:t>This is basically saying the x amount of annual income needed to afford a median priced house 3-5 is considered a comfortable range </a:t>
+            </a:r>
           </a:p>
           <a:p>
             <a:endParaRPr lang="en-US" dirty="0"/>
@@ -3465,7 +3516,7 @@
             </a:pPr>
             <a:r>
               <a:rPr lang="en-US" b="1" dirty="0"/>
-              <a:t>During this period, Nashville experienced continued population growth, while housing inventory remained constrained. This imbalance between demand and available housing can help explain why prices continued to rise despite fluctuations in sales volume. </a:t>
+              <a:t>During this period, Nashville experienced continued population growth, while housing inventory remained constrained. This imbalance between demand and available housing can help explain why prices may have continued to rise despite fluctuations in sales volume. </a:t>
             </a:r>
           </a:p>
           <a:p>
@@ -3482,7 +3533,7 @@
             </a:pPr>
             <a:r>
               <a:rPr lang="en-US" b="1" dirty="0"/>
-              <a:t>The average inventory reflects the typical number of homes available for sale at any point during the year. Rather than using a single month, I averaged monthly inventory values to capture overall supply conditions</a:t>
+              <a:t>The average inventory chart on the top reflects the typical number of homes available for sale at any point during the year. Rather than using a single month, I averaged monthly inventory values to capture overall supply conditions</a:t>
             </a:r>
           </a:p>
           <a:p>
@@ -3499,7 +3550,7 @@
             </a:pPr>
             <a:r>
               <a:rPr lang="en-US" b="1" dirty="0"/>
-              <a:t>Inventory declined in 2021, tightening market conditions. Even as inventory partially recovered in later years, home sales continued to decline.</a:t>
+              <a:t>Inventory declined significantly in 2021, tightening market conditions. Even as inventory partially recovered in later years, home sales continued to decline.</a:t>
             </a:r>
           </a:p>
           <a:p>
@@ -3852,7 +3903,7 @@
           <a:p>
             <a:fld id="{13FBD760-3C71-467A-88B1-1440ED683542}" type="datetimeFigureOut">
               <a:rPr lang="en-US" smtClean="0"/>
-              <a:t>1/6/2026</a:t>
+              <a:t>1/8/2026</a:t>
             </a:fld>
             <a:endParaRPr lang="en-US"/>
           </a:p>
@@ -4050,7 +4101,7 @@
           <a:p>
             <a:fld id="{13FBD760-3C71-467A-88B1-1440ED683542}" type="datetimeFigureOut">
               <a:rPr lang="en-US" smtClean="0"/>
-              <a:t>1/6/2026</a:t>
+              <a:t>1/8/2026</a:t>
             </a:fld>
             <a:endParaRPr lang="en-US"/>
           </a:p>
@@ -4258,7 +4309,7 @@
           <a:p>
             <a:fld id="{13FBD760-3C71-467A-88B1-1440ED683542}" type="datetimeFigureOut">
               <a:rPr lang="en-US" smtClean="0"/>
-              <a:t>1/6/2026</a:t>
+              <a:t>1/8/2026</a:t>
             </a:fld>
             <a:endParaRPr lang="en-US"/>
           </a:p>
@@ -4456,7 +4507,7 @@
           <a:p>
             <a:fld id="{13FBD760-3C71-467A-88B1-1440ED683542}" type="datetimeFigureOut">
               <a:rPr lang="en-US" smtClean="0"/>
-              <a:t>1/6/2026</a:t>
+              <a:t>1/8/2026</a:t>
             </a:fld>
             <a:endParaRPr lang="en-US"/>
           </a:p>
@@ -4731,7 +4782,7 @@
           <a:p>
             <a:fld id="{13FBD760-3C71-467A-88B1-1440ED683542}" type="datetimeFigureOut">
               <a:rPr lang="en-US" smtClean="0"/>
-              <a:t>1/6/2026</a:t>
+              <a:t>1/8/2026</a:t>
             </a:fld>
             <a:endParaRPr lang="en-US"/>
           </a:p>
@@ -4996,7 +5047,7 @@
           <a:p>
             <a:fld id="{13FBD760-3C71-467A-88B1-1440ED683542}" type="datetimeFigureOut">
               <a:rPr lang="en-US" smtClean="0"/>
-              <a:t>1/6/2026</a:t>
+              <a:t>1/8/2026</a:t>
             </a:fld>
             <a:endParaRPr lang="en-US"/>
           </a:p>
@@ -5408,7 +5459,7 @@
           <a:p>
             <a:fld id="{13FBD760-3C71-467A-88B1-1440ED683542}" type="datetimeFigureOut">
               <a:rPr lang="en-US" smtClean="0"/>
-              <a:t>1/6/2026</a:t>
+              <a:t>1/8/2026</a:t>
             </a:fld>
             <a:endParaRPr lang="en-US"/>
           </a:p>
@@ -5549,7 +5600,7 @@
           <a:p>
             <a:fld id="{13FBD760-3C71-467A-88B1-1440ED683542}" type="datetimeFigureOut">
               <a:rPr lang="en-US" smtClean="0"/>
-              <a:t>1/6/2026</a:t>
+              <a:t>1/8/2026</a:t>
             </a:fld>
             <a:endParaRPr lang="en-US"/>
           </a:p>
@@ -5662,7 +5713,7 @@
           <a:p>
             <a:fld id="{13FBD760-3C71-467A-88B1-1440ED683542}" type="datetimeFigureOut">
               <a:rPr lang="en-US" smtClean="0"/>
-              <a:t>1/6/2026</a:t>
+              <a:t>1/8/2026</a:t>
             </a:fld>
             <a:endParaRPr lang="en-US"/>
           </a:p>
@@ -5973,7 +6024,7 @@
           <a:p>
             <a:fld id="{13FBD760-3C71-467A-88B1-1440ED683542}" type="datetimeFigureOut">
               <a:rPr lang="en-US" smtClean="0"/>
-              <a:t>1/6/2026</a:t>
+              <a:t>1/8/2026</a:t>
             </a:fld>
             <a:endParaRPr lang="en-US"/>
           </a:p>
@@ -6261,7 +6312,7 @@
           <a:p>
             <a:fld id="{13FBD760-3C71-467A-88B1-1440ED683542}" type="datetimeFigureOut">
               <a:rPr lang="en-US" smtClean="0"/>
-              <a:t>1/6/2026</a:t>
+              <a:t>1/8/2026</a:t>
             </a:fld>
             <a:endParaRPr lang="en-US"/>
           </a:p>
@@ -6502,7 +6553,7 @@
           <a:p>
             <a:fld id="{13FBD760-3C71-467A-88B1-1440ED683542}" type="datetimeFigureOut">
               <a:rPr lang="en-US" smtClean="0"/>
-              <a:t>1/6/2026</a:t>
+              <a:t>1/8/2026</a:t>
             </a:fld>
             <a:endParaRPr lang="en-US"/>
           </a:p>
@@ -11543,7 +11594,7 @@
         <p:spPr>
           <a:xfrm>
             <a:off x="1007533" y="2240532"/>
-            <a:ext cx="9677400" cy="2031325"/>
+            <a:ext cx="9677400" cy="2862322"/>
           </a:xfrm>
           <a:prstGeom prst="rect">
             <a:avLst/>
@@ -11563,6 +11614,31 @@
             <a:r>
               <a:rPr lang="en-US" dirty="0"/>
               <a:t>Metro Nashville ZIP code boundaries vary across data sources, creating challenges in defining a consistent study area.</a:t>
+            </a:r>
+          </a:p>
+          <a:p>
+            <a:pPr marL="285750" indent="-285750">
+              <a:buFont typeface="Arial" panose="020B0604020202020204" pitchFamily="34" charset="0"/>
+              <a:buChar char="•"/>
+            </a:pPr>
+            <a:endParaRPr lang="en-US" dirty="0"/>
+          </a:p>
+          <a:p>
+            <a:pPr marL="285750" indent="-285750">
+              <a:buFont typeface="Arial" panose="020B0604020202020204" pitchFamily="34" charset="0"/>
+              <a:buChar char="•"/>
+            </a:pPr>
+            <a:r>
+              <a:rPr lang="en-US" dirty="0"/>
+              <a:t>Home sales </a:t>
+            </a:r>
+            <a:r>
+              <a:rPr lang="en-US"/>
+              <a:t>prices don’t account </a:t>
+            </a:r>
+            <a:r>
+              <a:rPr lang="en-US" dirty="0"/>
+              <a:t>if the same home was sold multiple times within the years spanning this analysis. </a:t>
             </a:r>
           </a:p>
           <a:p>
